--- a/docs/diagrams/UiComponentClassDiagram.pptx
+++ b/docs/diagrams/UiComponentClassDiagram.pptx
@@ -10,7 +10,7 @@
   <p:sldIdLst>
     <p:sldId id="260" r:id="rId2"/>
   </p:sldIdLst>
-  <p:sldSz cx="9144000" cy="6858000" type="screen4x3"/>
+  <p:sldSz cx="12192000" cy="6858000"/>
   <p:notesSz cx="6858000" cy="9144000"/>
   <p:defaultTextStyle>
     <a:defPPr>
@@ -110,12 +110,12 @@
   <p:extLst>
     <p:ext uri="{EFAFB233-063F-42B5-8137-9DF3F51BA10A}">
       <p15:sldGuideLst xmlns:p15="http://schemas.microsoft.com/office/powerpoint/2012/main">
-        <p15:guide id="1" orient="horz" pos="1488">
+        <p15:guide id="1" orient="horz" pos="1488" userDrawn="1">
           <p15:clr>
             <a:srgbClr val="A4A3A4"/>
           </p15:clr>
         </p15:guide>
-        <p15:guide id="2" pos="2880">
+        <p15:guide id="2" pos="3840" userDrawn="1">
           <p15:clr>
             <a:srgbClr val="A4A3A4"/>
           </p15:clr>
@@ -208,7 +208,7 @@
           <a:p>
             <a:fld id="{F5CC4B3F-88C1-4FFA-B1B6-F41C21DC6924}" type="datetimeFigureOut">
               <a:rPr lang="en-US" smtClean="0"/>
-              <a:t>12/15/2018</a:t>
+              <a:t>2/26/2019</a:t>
             </a:fld>
             <a:endParaRPr lang="en-US"/>
           </a:p>
@@ -226,8 +226,8 @@
         </p:nvSpPr>
         <p:spPr>
           <a:xfrm>
-            <a:off x="1143000" y="685800"/>
-            <a:ext cx="4572000" cy="3429000"/>
+            <a:off x="381000" y="685800"/>
+            <a:ext cx="6096000" cy="3429000"/>
           </a:xfrm>
           <a:prstGeom prst="rect">
             <a:avLst/>
@@ -504,8 +504,8 @@
         </p:nvSpPr>
         <p:spPr>
           <a:xfrm>
-            <a:off x="685800" y="2130425"/>
-            <a:ext cx="7772400" cy="1470025"/>
+            <a:off x="914400" y="2130426"/>
+            <a:ext cx="10363200" cy="1470025"/>
           </a:xfrm>
         </p:spPr>
         <p:txBody>
@@ -531,8 +531,8 @@
         </p:nvSpPr>
         <p:spPr>
           <a:xfrm>
-            <a:off x="1371600" y="3886200"/>
-            <a:ext cx="6400800" cy="1752600"/>
+            <a:off x="1828800" y="3886200"/>
+            <a:ext cx="8534400" cy="1752600"/>
           </a:xfrm>
         </p:spPr>
         <p:txBody>
@@ -654,7 +654,7 @@
           <a:p>
             <a:fld id="{78C97017-6FC3-485B-9764-EAC9E56C1D49}" type="datetimeFigureOut">
               <a:rPr lang="en-US" smtClean="0"/>
-              <a:t>12/15/2018</a:t>
+              <a:t>2/26/2019</a:t>
             </a:fld>
             <a:endParaRPr lang="en-US"/>
           </a:p>
@@ -822,7 +822,7 @@
           <a:p>
             <a:fld id="{78C97017-6FC3-485B-9764-EAC9E56C1D49}" type="datetimeFigureOut">
               <a:rPr lang="en-US" smtClean="0"/>
-              <a:t>12/15/2018</a:t>
+              <a:t>2/26/2019</a:t>
             </a:fld>
             <a:endParaRPr lang="en-US"/>
           </a:p>
@@ -912,8 +912,8 @@
         </p:nvSpPr>
         <p:spPr>
           <a:xfrm>
-            <a:off x="6629400" y="274638"/>
-            <a:ext cx="2057400" cy="5851525"/>
+            <a:off x="8839200" y="274639"/>
+            <a:ext cx="2743200" cy="5851525"/>
           </a:xfrm>
         </p:spPr>
         <p:txBody>
@@ -939,8 +939,8 @@
         </p:nvSpPr>
         <p:spPr>
           <a:xfrm>
-            <a:off x="457200" y="274638"/>
-            <a:ext cx="6019800" cy="5851525"/>
+            <a:off x="609600" y="274639"/>
+            <a:ext cx="8026400" cy="5851525"/>
           </a:xfrm>
         </p:spPr>
         <p:txBody>
@@ -1000,7 +1000,7 @@
           <a:p>
             <a:fld id="{78C97017-6FC3-485B-9764-EAC9E56C1D49}" type="datetimeFigureOut">
               <a:rPr lang="en-US" smtClean="0"/>
-              <a:t>12/15/2018</a:t>
+              <a:t>2/26/2019</a:t>
             </a:fld>
             <a:endParaRPr lang="en-US"/>
           </a:p>
@@ -1168,7 +1168,7 @@
           <a:p>
             <a:fld id="{78C97017-6FC3-485B-9764-EAC9E56C1D49}" type="datetimeFigureOut">
               <a:rPr lang="en-US" smtClean="0"/>
-              <a:t>12/15/2018</a:t>
+              <a:t>2/26/2019</a:t>
             </a:fld>
             <a:endParaRPr lang="en-US"/>
           </a:p>
@@ -1258,8 +1258,8 @@
         </p:nvSpPr>
         <p:spPr>
           <a:xfrm>
-            <a:off x="722313" y="4406900"/>
-            <a:ext cx="7772400" cy="1362075"/>
+            <a:off x="963084" y="4406901"/>
+            <a:ext cx="10363200" cy="1362075"/>
           </a:xfrm>
         </p:spPr>
         <p:txBody>
@@ -1289,8 +1289,8 @@
         </p:nvSpPr>
         <p:spPr>
           <a:xfrm>
-            <a:off x="722313" y="2906713"/>
-            <a:ext cx="7772400" cy="1500187"/>
+            <a:off x="963084" y="2906713"/>
+            <a:ext cx="10363200" cy="1500187"/>
           </a:xfrm>
         </p:spPr>
         <p:txBody>
@@ -1413,7 +1413,7 @@
           <a:p>
             <a:fld id="{78C97017-6FC3-485B-9764-EAC9E56C1D49}" type="datetimeFigureOut">
               <a:rPr lang="en-US" smtClean="0"/>
-              <a:t>12/15/2018</a:t>
+              <a:t>2/26/2019</a:t>
             </a:fld>
             <a:endParaRPr lang="en-US"/>
           </a:p>
@@ -1525,8 +1525,8 @@
         </p:nvSpPr>
         <p:spPr>
           <a:xfrm>
-            <a:off x="457200" y="1600200"/>
-            <a:ext cx="4038600" cy="4525963"/>
+            <a:off x="609600" y="1600201"/>
+            <a:ext cx="5384800" cy="4525963"/>
           </a:xfrm>
         </p:spPr>
         <p:txBody>
@@ -1609,8 +1609,8 @@
         </p:nvSpPr>
         <p:spPr>
           <a:xfrm>
-            <a:off x="4648200" y="1600200"/>
-            <a:ext cx="4038600" cy="4525963"/>
+            <a:off x="6197600" y="1600201"/>
+            <a:ext cx="5384800" cy="4525963"/>
           </a:xfrm>
         </p:spPr>
         <p:txBody>
@@ -1698,7 +1698,7 @@
           <a:p>
             <a:fld id="{78C97017-6FC3-485B-9764-EAC9E56C1D49}" type="datetimeFigureOut">
               <a:rPr lang="en-US" smtClean="0"/>
-              <a:t>12/15/2018</a:t>
+              <a:t>2/26/2019</a:t>
             </a:fld>
             <a:endParaRPr lang="en-US"/>
           </a:p>
@@ -1814,8 +1814,8 @@
         </p:nvSpPr>
         <p:spPr>
           <a:xfrm>
-            <a:off x="457200" y="1535113"/>
-            <a:ext cx="4040188" cy="639762"/>
+            <a:off x="609600" y="1535113"/>
+            <a:ext cx="5386917" cy="639762"/>
           </a:xfrm>
         </p:spPr>
         <p:txBody>
@@ -1879,8 +1879,8 @@
         </p:nvSpPr>
         <p:spPr>
           <a:xfrm>
-            <a:off x="457200" y="2174875"/>
-            <a:ext cx="4040188" cy="3951288"/>
+            <a:off x="609600" y="2174875"/>
+            <a:ext cx="5386917" cy="3951288"/>
           </a:xfrm>
         </p:spPr>
         <p:txBody>
@@ -1963,8 +1963,8 @@
         </p:nvSpPr>
         <p:spPr>
           <a:xfrm>
-            <a:off x="4645025" y="1535113"/>
-            <a:ext cx="4041775" cy="639762"/>
+            <a:off x="6193368" y="1535113"/>
+            <a:ext cx="5389033" cy="639762"/>
           </a:xfrm>
         </p:spPr>
         <p:txBody>
@@ -2028,8 +2028,8 @@
         </p:nvSpPr>
         <p:spPr>
           <a:xfrm>
-            <a:off x="4645025" y="2174875"/>
-            <a:ext cx="4041775" cy="3951288"/>
+            <a:off x="6193368" y="2174875"/>
+            <a:ext cx="5389033" cy="3951288"/>
           </a:xfrm>
         </p:spPr>
         <p:txBody>
@@ -2117,7 +2117,7 @@
           <a:p>
             <a:fld id="{78C97017-6FC3-485B-9764-EAC9E56C1D49}" type="datetimeFigureOut">
               <a:rPr lang="en-US" smtClean="0"/>
-              <a:t>12/15/2018</a:t>
+              <a:t>2/26/2019</a:t>
             </a:fld>
             <a:endParaRPr lang="en-US"/>
           </a:p>
@@ -2234,7 +2234,7 @@
           <a:p>
             <a:fld id="{78C97017-6FC3-485B-9764-EAC9E56C1D49}" type="datetimeFigureOut">
               <a:rPr lang="en-US" smtClean="0"/>
-              <a:t>12/15/2018</a:t>
+              <a:t>2/26/2019</a:t>
             </a:fld>
             <a:endParaRPr lang="en-US"/>
           </a:p>
@@ -2329,7 +2329,7 @@
           <a:p>
             <a:fld id="{78C97017-6FC3-485B-9764-EAC9E56C1D49}" type="datetimeFigureOut">
               <a:rPr lang="en-US" smtClean="0"/>
-              <a:t>12/15/2018</a:t>
+              <a:t>2/26/2019</a:t>
             </a:fld>
             <a:endParaRPr lang="en-US"/>
           </a:p>
@@ -2419,8 +2419,8 @@
         </p:nvSpPr>
         <p:spPr>
           <a:xfrm>
-            <a:off x="457200" y="273050"/>
-            <a:ext cx="3008313" cy="1162050"/>
+            <a:off x="609601" y="273050"/>
+            <a:ext cx="4011084" cy="1162050"/>
           </a:xfrm>
         </p:spPr>
         <p:txBody>
@@ -2450,8 +2450,8 @@
         </p:nvSpPr>
         <p:spPr>
           <a:xfrm>
-            <a:off x="3575050" y="273050"/>
-            <a:ext cx="5111750" cy="5853113"/>
+            <a:off x="4766733" y="273051"/>
+            <a:ext cx="6815667" cy="5853113"/>
           </a:xfrm>
         </p:spPr>
         <p:txBody>
@@ -2534,8 +2534,8 @@
         </p:nvSpPr>
         <p:spPr>
           <a:xfrm>
-            <a:off x="457200" y="1435100"/>
-            <a:ext cx="3008313" cy="4691063"/>
+            <a:off x="609601" y="1435101"/>
+            <a:ext cx="4011084" cy="4691063"/>
           </a:xfrm>
         </p:spPr>
         <p:txBody>
@@ -2604,7 +2604,7 @@
           <a:p>
             <a:fld id="{78C97017-6FC3-485B-9764-EAC9E56C1D49}" type="datetimeFigureOut">
               <a:rPr lang="en-US" smtClean="0"/>
-              <a:t>12/15/2018</a:t>
+              <a:t>2/26/2019</a:t>
             </a:fld>
             <a:endParaRPr lang="en-US"/>
           </a:p>
@@ -2694,8 +2694,8 @@
         </p:nvSpPr>
         <p:spPr>
           <a:xfrm>
-            <a:off x="1792288" y="4800600"/>
-            <a:ext cx="5486400" cy="566738"/>
+            <a:off x="2389717" y="4800600"/>
+            <a:ext cx="7315200" cy="566738"/>
           </a:xfrm>
         </p:spPr>
         <p:txBody>
@@ -2725,8 +2725,8 @@
         </p:nvSpPr>
         <p:spPr>
           <a:xfrm>
-            <a:off x="1792288" y="612775"/>
-            <a:ext cx="5486400" cy="4114800"/>
+            <a:off x="2389717" y="612775"/>
+            <a:ext cx="7315200" cy="4114800"/>
           </a:xfrm>
         </p:spPr>
         <p:txBody>
@@ -2786,8 +2786,8 @@
         </p:nvSpPr>
         <p:spPr>
           <a:xfrm>
-            <a:off x="1792288" y="5367338"/>
-            <a:ext cx="5486400" cy="804862"/>
+            <a:off x="2389717" y="5367338"/>
+            <a:ext cx="7315200" cy="804862"/>
           </a:xfrm>
         </p:spPr>
         <p:txBody>
@@ -2856,7 +2856,7 @@
           <a:p>
             <a:fld id="{78C97017-6FC3-485B-9764-EAC9E56C1D49}" type="datetimeFigureOut">
               <a:rPr lang="en-US" smtClean="0"/>
-              <a:t>12/15/2018</a:t>
+              <a:t>2/26/2019</a:t>
             </a:fld>
             <a:endParaRPr lang="en-US"/>
           </a:p>
@@ -2951,8 +2951,8 @@
         </p:nvSpPr>
         <p:spPr>
           <a:xfrm>
-            <a:off x="457200" y="274638"/>
-            <a:ext cx="8229600" cy="1143000"/>
+            <a:off x="609600" y="274638"/>
+            <a:ext cx="10972800" cy="1143000"/>
           </a:xfrm>
           <a:prstGeom prst="rect">
             <a:avLst/>
@@ -2983,8 +2983,8 @@
         </p:nvSpPr>
         <p:spPr>
           <a:xfrm>
-            <a:off x="457200" y="1600200"/>
-            <a:ext cx="8229600" cy="4525963"/>
+            <a:off x="609600" y="1600201"/>
+            <a:ext cx="10972800" cy="4525963"/>
           </a:xfrm>
           <a:prstGeom prst="rect">
             <a:avLst/>
@@ -3044,8 +3044,8 @@
         </p:nvSpPr>
         <p:spPr>
           <a:xfrm>
-            <a:off x="457200" y="6356350"/>
-            <a:ext cx="2133600" cy="365125"/>
+            <a:off x="609600" y="6356351"/>
+            <a:ext cx="2844800" cy="365125"/>
           </a:xfrm>
           <a:prstGeom prst="rect">
             <a:avLst/>
@@ -3067,7 +3067,7 @@
           <a:p>
             <a:fld id="{78C97017-6FC3-485B-9764-EAC9E56C1D49}" type="datetimeFigureOut">
               <a:rPr lang="en-US" smtClean="0"/>
-              <a:t>12/15/2018</a:t>
+              <a:t>2/26/2019</a:t>
             </a:fld>
             <a:endParaRPr lang="en-US"/>
           </a:p>
@@ -3085,8 +3085,8 @@
         </p:nvSpPr>
         <p:spPr>
           <a:xfrm>
-            <a:off x="3124200" y="6356350"/>
-            <a:ext cx="2895600" cy="365125"/>
+            <a:off x="4165600" y="6356351"/>
+            <a:ext cx="3860800" cy="365125"/>
           </a:xfrm>
           <a:prstGeom prst="rect">
             <a:avLst/>
@@ -3122,8 +3122,8 @@
         </p:nvSpPr>
         <p:spPr>
           <a:xfrm>
-            <a:off x="6553200" y="6356350"/>
-            <a:ext cx="2133600" cy="365125"/>
+            <a:off x="8737600" y="6356351"/>
+            <a:ext cx="2844800" cy="365125"/>
           </a:xfrm>
           <a:prstGeom prst="rect">
             <a:avLst/>
@@ -3442,2073 +3442,2108 @@
           <a:chExt cx="0" cy="0"/>
         </a:xfrm>
       </p:grpSpPr>
-      <p:sp>
-        <p:nvSpPr>
-          <p:cNvPr id="23" name="Rectangle 65"/>
-          <p:cNvSpPr/>
+      <p:grpSp>
+        <p:nvGrpSpPr>
+          <p:cNvPr id="4" name="Group 3">
+            <a:extLst>
+              <a:ext uri="{FF2B5EF4-FFF2-40B4-BE49-F238E27FC236}">
+                <a16:creationId xmlns:a16="http://schemas.microsoft.com/office/drawing/2014/main" id="{A49A8123-C80E-4BAE-86D8-5F86015AE171}"/>
+              </a:ext>
+            </a:extLst>
+          </p:cNvPr>
+          <p:cNvGrpSpPr/>
           <p:nvPr/>
-        </p:nvSpPr>
-        <p:spPr>
+        </p:nvGrpSpPr>
+        <p:grpSpPr>
           <a:xfrm>
-            <a:off x="1217465" y="1447800"/>
-            <a:ext cx="4917083" cy="3962400"/>
+            <a:off x="2168735" y="1447800"/>
+            <a:ext cx="6418826" cy="3962401"/>
+            <a:chOff x="644735" y="1447799"/>
+            <a:chExt cx="6418826" cy="3962401"/>
           </a:xfrm>
-          <a:prstGeom prst="roundRect">
-            <a:avLst>
-              <a:gd name="adj" fmla="val 3484"/>
-            </a:avLst>
-          </a:prstGeom>
-          <a:solidFill>
-            <a:srgbClr val="F1F5E9"/>
-          </a:solidFill>
-          <a:ln w="19050">
-            <a:noFill/>
-          </a:ln>
-          <a:effectLst/>
-        </p:spPr>
-        <p:style>
-          <a:lnRef idx="1">
-            <a:schemeClr val="accent2"/>
-          </a:lnRef>
-          <a:fillRef idx="2">
-            <a:schemeClr val="accent2"/>
-          </a:fillRef>
-          <a:effectRef idx="1">
-            <a:schemeClr val="accent2"/>
-          </a:effectRef>
-          <a:fontRef idx="minor">
-            <a:schemeClr val="dk1"/>
-          </a:fontRef>
-        </p:style>
-        <p:txBody>
-          <a:bodyPr rtlCol="0" anchor="t"/>
-          <a:lstStyle/>
-          <a:p>
-            <a:r>
-              <a:rPr lang="en-US" sz="1200" b="1" dirty="0">
+        </p:grpSpPr>
+        <p:sp>
+          <p:nvSpPr>
+            <p:cNvPr id="23" name="Rectangle 65"/>
+            <p:cNvSpPr/>
+            <p:nvPr/>
+          </p:nvSpPr>
+          <p:spPr>
+            <a:xfrm>
+              <a:off x="1217465" y="1447800"/>
+              <a:ext cx="4917083" cy="3962400"/>
+            </a:xfrm>
+            <a:prstGeom prst="roundRect">
+              <a:avLst>
+                <a:gd name="adj" fmla="val 3484"/>
+              </a:avLst>
+            </a:prstGeom>
+            <a:solidFill>
+              <a:srgbClr val="F1F5E9"/>
+            </a:solidFill>
+            <a:ln w="19050">
+              <a:noFill/>
+            </a:ln>
+            <a:effectLst/>
+          </p:spPr>
+          <p:style>
+            <a:lnRef idx="1">
+              <a:schemeClr val="accent2"/>
+            </a:lnRef>
+            <a:fillRef idx="2">
+              <a:schemeClr val="accent2"/>
+            </a:fillRef>
+            <a:effectRef idx="1">
+              <a:schemeClr val="accent2"/>
+            </a:effectRef>
+            <a:fontRef idx="minor">
+              <a:schemeClr val="dk1"/>
+            </a:fontRef>
+          </p:style>
+          <p:txBody>
+            <a:bodyPr rtlCol="0" anchor="t"/>
+            <a:lstStyle/>
+            <a:p>
+              <a:r>
+                <a:rPr lang="en-US" sz="1200" b="1" dirty="0">
+                  <a:solidFill>
+                    <a:schemeClr val="accent3">
+                      <a:lumMod val="75000"/>
+                    </a:schemeClr>
+                  </a:solidFill>
+                </a:rPr>
+                <a:t>UI</a:t>
+              </a:r>
+              <a:endParaRPr lang="en-SG" sz="1200" b="1" dirty="0">
                 <a:solidFill>
                   <a:schemeClr val="accent3">
                     <a:lumMod val="75000"/>
                   </a:schemeClr>
                 </a:solidFill>
-              </a:rPr>
-              <a:t>UI</a:t>
-            </a:r>
-            <a:endParaRPr lang="en-SG" sz="1200" b="1" dirty="0">
+              </a:endParaRPr>
+            </a:p>
+          </p:txBody>
+        </p:sp>
+        <p:sp>
+          <p:nvSpPr>
+            <p:cNvPr id="2" name="Rectangle 8"/>
+            <p:cNvSpPr/>
+            <p:nvPr/>
+          </p:nvSpPr>
+          <p:spPr>
+            <a:xfrm>
+              <a:off x="2095948" y="2341220"/>
+              <a:ext cx="1093635" cy="346760"/>
+            </a:xfrm>
+            <a:prstGeom prst="rect">
+              <a:avLst/>
+            </a:prstGeom>
+            <a:ln w="19050">
               <a:solidFill>
-                <a:schemeClr val="accent3">
-                  <a:lumMod val="75000"/>
-                </a:schemeClr>
+                <a:schemeClr val="accent3"/>
               </a:solidFill>
-            </a:endParaRPr>
-          </a:p>
-        </p:txBody>
-      </p:sp>
-      <p:sp>
-        <p:nvSpPr>
-          <p:cNvPr id="2" name="Rectangle 8"/>
-          <p:cNvSpPr/>
-          <p:nvPr/>
-        </p:nvSpPr>
-        <p:spPr>
-          <a:xfrm>
-            <a:off x="2095948" y="2341220"/>
-            <a:ext cx="1093635" cy="346760"/>
-          </a:xfrm>
-          <a:prstGeom prst="rect">
-            <a:avLst/>
-          </a:prstGeom>
-          <a:ln w="19050">
-            <a:solidFill>
+            </a:ln>
+            <a:effectLst/>
+          </p:spPr>
+          <p:style>
+            <a:lnRef idx="1">
               <a:schemeClr val="accent3"/>
-            </a:solidFill>
-          </a:ln>
-          <a:effectLst/>
-        </p:spPr>
-        <p:style>
-          <a:lnRef idx="1">
-            <a:schemeClr val="accent3"/>
-          </a:lnRef>
-          <a:fillRef idx="2">
-            <a:schemeClr val="accent3"/>
-          </a:fillRef>
-          <a:effectRef idx="1">
-            <a:schemeClr val="accent3"/>
-          </a:effectRef>
-          <a:fontRef idx="minor">
-            <a:schemeClr val="dk1"/>
-          </a:fontRef>
-        </p:style>
-        <p:txBody>
-          <a:bodyPr rtlCol="0" anchor="ctr"/>
-          <a:lstStyle/>
-          <a:p>
-            <a:pPr algn="ctr"/>
-            <a:r>
-              <a:rPr lang="en-US" sz="1050" b="1" dirty="0" err="1">
+            </a:lnRef>
+            <a:fillRef idx="2">
+              <a:schemeClr val="accent3"/>
+            </a:fillRef>
+            <a:effectRef idx="1">
+              <a:schemeClr val="accent3"/>
+            </a:effectRef>
+            <a:fontRef idx="minor">
+              <a:schemeClr val="dk1"/>
+            </a:fontRef>
+          </p:style>
+          <p:txBody>
+            <a:bodyPr rtlCol="0" anchor="ctr"/>
+            <a:lstStyle/>
+            <a:p>
+              <a:pPr algn="ctr"/>
+              <a:r>
+                <a:rPr lang="en-US" sz="1050" b="1" dirty="0" err="1">
+                  <a:solidFill>
+                    <a:schemeClr val="accent3">
+                      <a:lumMod val="75000"/>
+                    </a:schemeClr>
+                  </a:solidFill>
+                </a:rPr>
+                <a:t>MainWindow</a:t>
+              </a:r>
+              <a:endParaRPr lang="en-SG" sz="1050" b="1" dirty="0">
                 <a:solidFill>
                   <a:schemeClr val="accent3">
                     <a:lumMod val="75000"/>
                   </a:schemeClr>
                 </a:solidFill>
-              </a:rPr>
-              <a:t>MainWindow</a:t>
-            </a:r>
-            <a:endParaRPr lang="en-SG" sz="1050" b="1" dirty="0">
+              </a:endParaRPr>
+            </a:p>
+          </p:txBody>
+        </p:sp>
+        <p:sp>
+          <p:nvSpPr>
+            <p:cNvPr id="3" name="Rectangle 11"/>
+            <p:cNvSpPr/>
+            <p:nvPr/>
+          </p:nvSpPr>
+          <p:spPr>
+            <a:xfrm>
+              <a:off x="2592528" y="2971800"/>
+              <a:ext cx="1192335" cy="236841"/>
+            </a:xfrm>
+            <a:prstGeom prst="rect">
+              <a:avLst/>
+            </a:prstGeom>
+            <a:ln w="19050">
               <a:solidFill>
-                <a:schemeClr val="accent3">
-                  <a:lumMod val="75000"/>
-                </a:schemeClr>
+                <a:schemeClr val="accent3"/>
               </a:solidFill>
-            </a:endParaRPr>
-          </a:p>
-        </p:txBody>
-      </p:sp>
-      <p:sp>
-        <p:nvSpPr>
-          <p:cNvPr id="3" name="Rectangle 11"/>
-          <p:cNvSpPr/>
-          <p:nvPr/>
-        </p:nvSpPr>
-        <p:spPr>
-          <a:xfrm>
-            <a:off x="2592528" y="2971800"/>
-            <a:ext cx="1093635" cy="236841"/>
-          </a:xfrm>
-          <a:prstGeom prst="rect">
-            <a:avLst/>
-          </a:prstGeom>
-          <a:ln w="19050">
-            <a:solidFill>
+            </a:ln>
+            <a:effectLst/>
+          </p:spPr>
+          <p:style>
+            <a:lnRef idx="1">
               <a:schemeClr val="accent3"/>
-            </a:solidFill>
-          </a:ln>
-          <a:effectLst/>
-        </p:spPr>
-        <p:style>
-          <a:lnRef idx="1">
-            <a:schemeClr val="accent3"/>
-          </a:lnRef>
-          <a:fillRef idx="2">
-            <a:schemeClr val="accent3"/>
-          </a:fillRef>
-          <a:effectRef idx="1">
-            <a:schemeClr val="accent3"/>
-          </a:effectRef>
-          <a:fontRef idx="minor">
-            <a:schemeClr val="dk1"/>
-          </a:fontRef>
-        </p:style>
-        <p:txBody>
-          <a:bodyPr rtlCol="0" anchor="ctr"/>
-          <a:lstStyle/>
-          <a:p>
-            <a:pPr algn="ctr"/>
-            <a:r>
-              <a:rPr lang="en-US" sz="1050" b="1" dirty="0" err="1">
+            </a:lnRef>
+            <a:fillRef idx="2">
+              <a:schemeClr val="accent3"/>
+            </a:fillRef>
+            <a:effectRef idx="1">
+              <a:schemeClr val="accent3"/>
+            </a:effectRef>
+            <a:fontRef idx="minor">
+              <a:schemeClr val="dk1"/>
+            </a:fontRef>
+          </p:style>
+          <p:txBody>
+            <a:bodyPr rtlCol="0" anchor="ctr"/>
+            <a:lstStyle/>
+            <a:p>
+              <a:pPr algn="ctr"/>
+              <a:r>
+                <a:rPr lang="en-US" sz="1050" b="1" dirty="0" err="1">
+                  <a:solidFill>
+                    <a:schemeClr val="accent3">
+                      <a:lumMod val="75000"/>
+                    </a:schemeClr>
+                  </a:solidFill>
+                </a:rPr>
+                <a:t>CommandBox</a:t>
+              </a:r>
+              <a:endParaRPr lang="en-SG" sz="1050" b="1" dirty="0">
                 <a:solidFill>
                   <a:schemeClr val="accent3">
                     <a:lumMod val="75000"/>
                   </a:schemeClr>
                 </a:solidFill>
-              </a:rPr>
-              <a:t>CommandBox</a:t>
-            </a:r>
-            <a:endParaRPr lang="en-SG" sz="1050" b="1" dirty="0">
+              </a:endParaRPr>
+            </a:p>
+          </p:txBody>
+        </p:sp>
+        <p:sp>
+          <p:nvSpPr>
+            <p:cNvPr id="9" name="Rectangle 62"/>
+            <p:cNvSpPr/>
+            <p:nvPr/>
+          </p:nvSpPr>
+          <p:spPr>
+            <a:xfrm>
+              <a:off x="2092842" y="1770924"/>
+              <a:ext cx="1093635" cy="346760"/>
+            </a:xfrm>
+            <a:prstGeom prst="rect">
+              <a:avLst/>
+            </a:prstGeom>
+            <a:solidFill>
+              <a:srgbClr val="00B050"/>
+            </a:solidFill>
+            <a:ln w="19050">
               <a:solidFill>
-                <a:schemeClr val="accent3">
+                <a:srgbClr val="00B050"/>
+              </a:solidFill>
+            </a:ln>
+            <a:effectLst/>
+          </p:spPr>
+          <p:style>
+            <a:lnRef idx="1">
+              <a:schemeClr val="accent2"/>
+            </a:lnRef>
+            <a:fillRef idx="2">
+              <a:schemeClr val="accent2"/>
+            </a:fillRef>
+            <a:effectRef idx="1">
+              <a:schemeClr val="accent2"/>
+            </a:effectRef>
+            <a:fontRef idx="minor">
+              <a:schemeClr val="dk1"/>
+            </a:fontRef>
+          </p:style>
+          <p:txBody>
+            <a:bodyPr rtlCol="0" anchor="ctr"/>
+            <a:lstStyle/>
+            <a:p>
+              <a:pPr algn="ctr"/>
+              <a:r>
+                <a:rPr lang="en-US" sz="1050" dirty="0" err="1">
+                  <a:solidFill>
+                    <a:schemeClr val="bg1"/>
+                  </a:solidFill>
+                </a:rPr>
+                <a:t>UiManager</a:t>
+              </a:r>
+              <a:endParaRPr lang="en-SG" sz="1050" dirty="0">
+                <a:solidFill>
+                  <a:schemeClr val="bg1"/>
+                </a:solidFill>
+              </a:endParaRPr>
+            </a:p>
+          </p:txBody>
+        </p:sp>
+        <p:cxnSp>
+          <p:nvCxnSpPr>
+            <p:cNvPr id="10" name="Elbow Connector 63"/>
+            <p:cNvCxnSpPr>
+              <a:stCxn id="9" idx="2"/>
+              <a:endCxn id="2" idx="0"/>
+            </p:cNvCxnSpPr>
+            <p:nvPr/>
+          </p:nvCxnSpPr>
+          <p:spPr>
+            <a:xfrm rot="16200000" flipH="1">
+              <a:off x="2529445" y="2227899"/>
+              <a:ext cx="223536" cy="3106"/>
+            </a:xfrm>
+            <a:prstGeom prst="bentConnector3">
+              <a:avLst>
+                <a:gd name="adj1" fmla="val 50000"/>
+              </a:avLst>
+            </a:prstGeom>
+            <a:ln w="19050">
+              <a:solidFill>
+                <a:srgbClr val="00B050"/>
+              </a:solidFill>
+              <a:headEnd type="none" w="med" len="med"/>
+              <a:tailEnd type="arrow" w="med" len="med"/>
+            </a:ln>
+            <a:effectLst/>
+          </p:spPr>
+          <p:style>
+            <a:lnRef idx="1">
+              <a:schemeClr val="accent2"/>
+            </a:lnRef>
+            <a:fillRef idx="2">
+              <a:schemeClr val="accent2"/>
+            </a:fillRef>
+            <a:effectRef idx="1">
+              <a:schemeClr val="accent2"/>
+            </a:effectRef>
+            <a:fontRef idx="minor">
+              <a:schemeClr val="dk1"/>
+            </a:fontRef>
+          </p:style>
+        </p:cxnSp>
+        <p:sp>
+          <p:nvSpPr>
+            <p:cNvPr id="16" name="Isosceles Triangle 102"/>
+            <p:cNvSpPr/>
+            <p:nvPr/>
+          </p:nvSpPr>
+          <p:spPr>
+            <a:xfrm rot="10800000" flipV="1">
+              <a:off x="5394717" y="2110477"/>
+              <a:ext cx="270504" cy="175523"/>
+            </a:xfrm>
+            <a:prstGeom prst="triangle">
+              <a:avLst/>
+            </a:prstGeom>
+            <a:ln w="6350">
+              <a:solidFill>
+                <a:schemeClr val="accent3"/>
+              </a:solidFill>
+            </a:ln>
+            <a:effectLst/>
+          </p:spPr>
+          <p:style>
+            <a:lnRef idx="1">
+              <a:schemeClr val="accent3"/>
+            </a:lnRef>
+            <a:fillRef idx="2">
+              <a:schemeClr val="accent3"/>
+            </a:fillRef>
+            <a:effectRef idx="1">
+              <a:schemeClr val="accent3"/>
+            </a:effectRef>
+            <a:fontRef idx="minor">
+              <a:schemeClr val="dk1"/>
+            </a:fontRef>
+          </p:style>
+          <p:txBody>
+            <a:bodyPr rtlCol="0" anchor="ctr"/>
+            <a:lstStyle/>
+            <a:p>
+              <a:pPr algn="ctr"/>
+              <a:endParaRPr lang="en-SG" sz="1050" b="1">
+                <a:solidFill>
+                  <a:srgbClr val="92D050"/>
+                </a:solidFill>
+              </a:endParaRPr>
+            </a:p>
+          </p:txBody>
+        </p:sp>
+        <p:cxnSp>
+          <p:nvCxnSpPr>
+            <p:cNvPr id="19" name="Elbow Connector 122"/>
+            <p:cNvCxnSpPr/>
+            <p:nvPr/>
+          </p:nvCxnSpPr>
+          <p:spPr>
+            <a:xfrm flipV="1">
+              <a:off x="644735" y="2991937"/>
+              <a:ext cx="684904" cy="1"/>
+            </a:xfrm>
+            <a:prstGeom prst="bentConnector3">
+              <a:avLst>
+                <a:gd name="adj1" fmla="val 50000"/>
+              </a:avLst>
+            </a:prstGeom>
+            <a:ln w="19050">
+              <a:solidFill>
+                <a:schemeClr val="bg1">
                   <a:lumMod val="75000"/>
                 </a:schemeClr>
               </a:solidFill>
-            </a:endParaRPr>
-          </a:p>
-        </p:txBody>
-      </p:sp>
-      <p:sp>
-        <p:nvSpPr>
-          <p:cNvPr id="9" name="Rectangle 62"/>
-          <p:cNvSpPr/>
-          <p:nvPr/>
-        </p:nvSpPr>
-        <p:spPr>
-          <a:xfrm>
-            <a:off x="2092842" y="1770924"/>
-            <a:ext cx="1093635" cy="346760"/>
-          </a:xfrm>
-          <a:prstGeom prst="rect">
-            <a:avLst/>
-          </a:prstGeom>
-          <a:solidFill>
-            <a:srgbClr val="00B050"/>
-          </a:solidFill>
-          <a:ln w="19050">
+              <a:prstDash val="sysDot"/>
+              <a:headEnd type="none" w="med" len="med"/>
+              <a:tailEnd type="arrow" w="med" len="med"/>
+            </a:ln>
+            <a:effectLst/>
+          </p:spPr>
+          <p:style>
+            <a:lnRef idx="1">
+              <a:schemeClr val="accent2"/>
+            </a:lnRef>
+            <a:fillRef idx="2">
+              <a:schemeClr val="accent2"/>
+            </a:fillRef>
+            <a:effectRef idx="1">
+              <a:schemeClr val="accent2"/>
+            </a:effectRef>
+            <a:fontRef idx="minor">
+              <a:schemeClr val="dk1"/>
+            </a:fontRef>
+          </p:style>
+        </p:cxnSp>
+        <p:sp>
+          <p:nvSpPr>
+            <p:cNvPr id="22" name="Rectangle 65"/>
+            <p:cNvSpPr/>
+            <p:nvPr/>
+          </p:nvSpPr>
+          <p:spPr>
+            <a:xfrm rot="16200000">
+              <a:off x="5703829" y="2464877"/>
+              <a:ext cx="2362201" cy="328045"/>
+            </a:xfrm>
+            <a:prstGeom prst="roundRect">
+              <a:avLst/>
+            </a:prstGeom>
             <a:solidFill>
-              <a:srgbClr val="00B050"/>
+              <a:schemeClr val="accent1">
+                <a:lumMod val="20000"/>
+                <a:lumOff val="80000"/>
+              </a:schemeClr>
             </a:solidFill>
-          </a:ln>
-          <a:effectLst/>
-        </p:spPr>
-        <p:style>
-          <a:lnRef idx="1">
-            <a:schemeClr val="accent2"/>
-          </a:lnRef>
-          <a:fillRef idx="2">
-            <a:schemeClr val="accent2"/>
-          </a:fillRef>
-          <a:effectRef idx="1">
-            <a:schemeClr val="accent2"/>
-          </a:effectRef>
-          <a:fontRef idx="minor">
-            <a:schemeClr val="dk1"/>
-          </a:fontRef>
-        </p:style>
-        <p:txBody>
-          <a:bodyPr rtlCol="0" anchor="ctr"/>
-          <a:lstStyle/>
-          <a:p>
-            <a:pPr algn="ctr"/>
-            <a:r>
-              <a:rPr lang="en-US" sz="1050" dirty="0" err="1">
+            <a:ln w="19050">
+              <a:noFill/>
+            </a:ln>
+            <a:effectLst/>
+          </p:spPr>
+          <p:style>
+            <a:lnRef idx="1">
+              <a:schemeClr val="accent2"/>
+            </a:lnRef>
+            <a:fillRef idx="2">
+              <a:schemeClr val="accent2"/>
+            </a:fillRef>
+            <a:effectRef idx="1">
+              <a:schemeClr val="accent2"/>
+            </a:effectRef>
+            <a:fontRef idx="minor">
+              <a:schemeClr val="dk1"/>
+            </a:fontRef>
+          </p:style>
+          <p:txBody>
+            <a:bodyPr rtlCol="0" anchor="ctr"/>
+            <a:lstStyle/>
+            <a:p>
+              <a:pPr algn="ctr"/>
+              <a:r>
+                <a:rPr lang="en-US" sz="1100" b="1" dirty="0">
+                  <a:solidFill>
+                    <a:schemeClr val="bg1"/>
+                  </a:solidFill>
+                </a:rPr>
+                <a:t>Logic</a:t>
+              </a:r>
+              <a:endParaRPr lang="en-SG" sz="1100" b="1" dirty="0">
                 <a:solidFill>
                   <a:schemeClr val="bg1"/>
                 </a:solidFill>
-              </a:rPr>
-              <a:t>UiManager</a:t>
-            </a:r>
-            <a:endParaRPr lang="en-SG" sz="1050" dirty="0">
+              </a:endParaRPr>
+            </a:p>
+          </p:txBody>
+        </p:sp>
+        <p:sp>
+          <p:nvSpPr>
+            <p:cNvPr id="34" name="Rectangle 11"/>
+            <p:cNvSpPr/>
+            <p:nvPr/>
+          </p:nvSpPr>
+          <p:spPr>
+            <a:xfrm>
+              <a:off x="2592528" y="3649359"/>
+              <a:ext cx="1194064" cy="236841"/>
+            </a:xfrm>
+            <a:prstGeom prst="rect">
+              <a:avLst/>
+            </a:prstGeom>
+            <a:ln w="19050">
               <a:solidFill>
-                <a:schemeClr val="bg1"/>
+                <a:schemeClr val="accent3"/>
               </a:solidFill>
-            </a:endParaRPr>
-          </a:p>
-        </p:txBody>
-      </p:sp>
-      <p:cxnSp>
-        <p:nvCxnSpPr>
-          <p:cNvPr id="10" name="Elbow Connector 63"/>
-          <p:cNvCxnSpPr>
-            <a:stCxn id="9" idx="2"/>
-            <a:endCxn id="2" idx="0"/>
-          </p:cNvCxnSpPr>
-          <p:nvPr/>
-        </p:nvCxnSpPr>
-        <p:spPr>
-          <a:xfrm rot="16200000" flipH="1">
-            <a:off x="2529445" y="2227899"/>
-            <a:ext cx="223536" cy="3106"/>
-          </a:xfrm>
-          <a:prstGeom prst="bentConnector3">
-            <a:avLst>
-              <a:gd name="adj1" fmla="val 50000"/>
-            </a:avLst>
-          </a:prstGeom>
-          <a:ln w="19050">
-            <a:solidFill>
-              <a:srgbClr val="00B050"/>
-            </a:solidFill>
-            <a:headEnd type="none" w="med" len="med"/>
-            <a:tailEnd type="arrow" w="med" len="med"/>
-          </a:ln>
-          <a:effectLst/>
-        </p:spPr>
-        <p:style>
-          <a:lnRef idx="1">
-            <a:schemeClr val="accent2"/>
-          </a:lnRef>
-          <a:fillRef idx="2">
-            <a:schemeClr val="accent2"/>
-          </a:fillRef>
-          <a:effectRef idx="1">
-            <a:schemeClr val="accent2"/>
-          </a:effectRef>
-          <a:fontRef idx="minor">
-            <a:schemeClr val="dk1"/>
-          </a:fontRef>
-        </p:style>
-      </p:cxnSp>
-      <p:sp>
-        <p:nvSpPr>
-          <p:cNvPr id="16" name="Isosceles Triangle 102"/>
-          <p:cNvSpPr/>
-          <p:nvPr/>
-        </p:nvSpPr>
-        <p:spPr>
-          <a:xfrm rot="10800000" flipV="1">
-            <a:off x="5394717" y="2110477"/>
-            <a:ext cx="270504" cy="175523"/>
-          </a:xfrm>
-          <a:prstGeom prst="triangle">
-            <a:avLst/>
-          </a:prstGeom>
-          <a:ln w="6350">
-            <a:solidFill>
+            </a:ln>
+            <a:effectLst/>
+          </p:spPr>
+          <p:style>
+            <a:lnRef idx="1">
               <a:schemeClr val="accent3"/>
-            </a:solidFill>
-          </a:ln>
-          <a:effectLst/>
-        </p:spPr>
-        <p:style>
-          <a:lnRef idx="1">
-            <a:schemeClr val="accent3"/>
-          </a:lnRef>
-          <a:fillRef idx="2">
-            <a:schemeClr val="accent3"/>
-          </a:fillRef>
-          <a:effectRef idx="1">
-            <a:schemeClr val="accent3"/>
-          </a:effectRef>
-          <a:fontRef idx="minor">
-            <a:schemeClr val="dk1"/>
-          </a:fontRef>
-        </p:style>
-        <p:txBody>
-          <a:bodyPr rtlCol="0" anchor="ctr"/>
-          <a:lstStyle/>
-          <a:p>
-            <a:pPr algn="ctr"/>
-            <a:endParaRPr lang="en-SG" sz="1050" b="1">
-              <a:solidFill>
-                <a:srgbClr val="92D050"/>
-              </a:solidFill>
-            </a:endParaRPr>
-          </a:p>
-        </p:txBody>
-      </p:sp>
-      <p:cxnSp>
-        <p:nvCxnSpPr>
-          <p:cNvPr id="19" name="Elbow Connector 122"/>
-          <p:cNvCxnSpPr/>
-          <p:nvPr/>
-        </p:nvCxnSpPr>
-        <p:spPr>
-          <a:xfrm flipV="1">
-            <a:off x="644735" y="2991937"/>
-            <a:ext cx="684904" cy="1"/>
-          </a:xfrm>
-          <a:prstGeom prst="bentConnector3">
-            <a:avLst>
-              <a:gd name="adj1" fmla="val 50000"/>
-            </a:avLst>
-          </a:prstGeom>
-          <a:ln w="19050">
-            <a:solidFill>
-              <a:schemeClr val="bg1">
-                <a:lumMod val="75000"/>
-              </a:schemeClr>
-            </a:solidFill>
-            <a:prstDash val="sysDot"/>
-            <a:headEnd type="none" w="med" len="med"/>
-            <a:tailEnd type="arrow" w="med" len="med"/>
-          </a:ln>
-          <a:effectLst/>
-        </p:spPr>
-        <p:style>
-          <a:lnRef idx="1">
-            <a:schemeClr val="accent2"/>
-          </a:lnRef>
-          <a:fillRef idx="2">
-            <a:schemeClr val="accent2"/>
-          </a:fillRef>
-          <a:effectRef idx="1">
-            <a:schemeClr val="accent2"/>
-          </a:effectRef>
-          <a:fontRef idx="minor">
-            <a:schemeClr val="dk1"/>
-          </a:fontRef>
-        </p:style>
-      </p:cxnSp>
-      <p:sp>
-        <p:nvSpPr>
-          <p:cNvPr id="22" name="Rectangle 65"/>
-          <p:cNvSpPr/>
-          <p:nvPr/>
-        </p:nvSpPr>
-        <p:spPr>
-          <a:xfrm rot="16200000">
-            <a:off x="5703829" y="2464877"/>
-            <a:ext cx="2362201" cy="328045"/>
-          </a:xfrm>
-          <a:prstGeom prst="roundRect">
-            <a:avLst/>
-          </a:prstGeom>
-          <a:solidFill>
-            <a:schemeClr val="accent1">
-              <a:lumMod val="20000"/>
-              <a:lumOff val="80000"/>
-            </a:schemeClr>
-          </a:solidFill>
-          <a:ln w="19050">
-            <a:noFill/>
-          </a:ln>
-          <a:effectLst/>
-        </p:spPr>
-        <p:style>
-          <a:lnRef idx="1">
-            <a:schemeClr val="accent2"/>
-          </a:lnRef>
-          <a:fillRef idx="2">
-            <a:schemeClr val="accent2"/>
-          </a:fillRef>
-          <a:effectRef idx="1">
-            <a:schemeClr val="accent2"/>
-          </a:effectRef>
-          <a:fontRef idx="minor">
-            <a:schemeClr val="dk1"/>
-          </a:fontRef>
-        </p:style>
-        <p:txBody>
-          <a:bodyPr rtlCol="0" anchor="ctr"/>
-          <a:lstStyle/>
-          <a:p>
-            <a:pPr algn="ctr"/>
-            <a:r>
-              <a:rPr lang="en-US" sz="1100" b="1" dirty="0">
-                <a:solidFill>
-                  <a:schemeClr val="bg1"/>
-                </a:solidFill>
-              </a:rPr>
-              <a:t>Logic</a:t>
-            </a:r>
-            <a:endParaRPr lang="en-SG" sz="1100" b="1" dirty="0">
-              <a:solidFill>
-                <a:schemeClr val="bg1"/>
-              </a:solidFill>
-            </a:endParaRPr>
-          </a:p>
-        </p:txBody>
-      </p:sp>
-      <p:sp>
-        <p:nvSpPr>
-          <p:cNvPr id="34" name="Rectangle 11"/>
-          <p:cNvSpPr/>
-          <p:nvPr/>
-        </p:nvSpPr>
-        <p:spPr>
-          <a:xfrm>
-            <a:off x="2592528" y="3649359"/>
-            <a:ext cx="1093635" cy="236841"/>
-          </a:xfrm>
-          <a:prstGeom prst="rect">
-            <a:avLst/>
-          </a:prstGeom>
-          <a:ln w="19050">
-            <a:solidFill>
+            </a:lnRef>
+            <a:fillRef idx="2">
               <a:schemeClr val="accent3"/>
-            </a:solidFill>
-          </a:ln>
-          <a:effectLst/>
-        </p:spPr>
-        <p:style>
-          <a:lnRef idx="1">
-            <a:schemeClr val="accent3"/>
-          </a:lnRef>
-          <a:fillRef idx="2">
-            <a:schemeClr val="accent3"/>
-          </a:fillRef>
-          <a:effectRef idx="1">
-            <a:schemeClr val="accent3"/>
-          </a:effectRef>
-          <a:fontRef idx="minor">
-            <a:schemeClr val="dk1"/>
-          </a:fontRef>
-        </p:style>
-        <p:txBody>
-          <a:bodyPr rtlCol="0" anchor="ctr"/>
-          <a:lstStyle/>
-          <a:p>
-            <a:pPr algn="ctr"/>
-            <a:r>
-              <a:rPr lang="en-US" sz="1050" b="1" dirty="0" err="1">
+            </a:fillRef>
+            <a:effectRef idx="1">
+              <a:schemeClr val="accent3"/>
+            </a:effectRef>
+            <a:fontRef idx="minor">
+              <a:schemeClr val="dk1"/>
+            </a:fontRef>
+          </p:style>
+          <p:txBody>
+            <a:bodyPr rtlCol="0" anchor="ctr"/>
+            <a:lstStyle/>
+            <a:p>
+              <a:pPr algn="ctr"/>
+              <a:r>
+                <a:rPr lang="en-US" sz="1050" b="1" dirty="0" err="1">
+                  <a:solidFill>
+                    <a:schemeClr val="accent3">
+                      <a:lumMod val="75000"/>
+                    </a:schemeClr>
+                  </a:solidFill>
+                </a:rPr>
+                <a:t>BrowserPanel</a:t>
+              </a:r>
+              <a:endParaRPr lang="en-SG" sz="1050" b="1" dirty="0">
                 <a:solidFill>
                   <a:schemeClr val="accent3">
                     <a:lumMod val="75000"/>
                   </a:schemeClr>
                 </a:solidFill>
-              </a:rPr>
-              <a:t>BrowserPanel</a:t>
-            </a:r>
-            <a:endParaRPr lang="en-SG" sz="1050" b="1" dirty="0">
+              </a:endParaRPr>
+            </a:p>
+          </p:txBody>
+        </p:sp>
+        <p:sp>
+          <p:nvSpPr>
+            <p:cNvPr id="35" name="Rectangle 11"/>
+            <p:cNvSpPr/>
+            <p:nvPr/>
+          </p:nvSpPr>
+          <p:spPr>
+            <a:xfrm>
+              <a:off x="2592527" y="4563759"/>
+              <a:ext cx="1192336" cy="236841"/>
+            </a:xfrm>
+            <a:prstGeom prst="rect">
+              <a:avLst/>
+            </a:prstGeom>
+            <a:ln w="19050">
               <a:solidFill>
-                <a:schemeClr val="accent3">
-                  <a:lumMod val="75000"/>
-                </a:schemeClr>
+                <a:schemeClr val="accent3"/>
               </a:solidFill>
-            </a:endParaRPr>
-          </a:p>
-        </p:txBody>
-      </p:sp>
-      <p:sp>
-        <p:nvSpPr>
-          <p:cNvPr id="35" name="Rectangle 11"/>
-          <p:cNvSpPr/>
-          <p:nvPr/>
-        </p:nvSpPr>
-        <p:spPr>
-          <a:xfrm>
-            <a:off x="2592527" y="4563759"/>
-            <a:ext cx="1093635" cy="236841"/>
-          </a:xfrm>
-          <a:prstGeom prst="rect">
-            <a:avLst/>
-          </a:prstGeom>
-          <a:ln w="19050">
-            <a:solidFill>
+            </a:ln>
+            <a:effectLst/>
+          </p:spPr>
+          <p:style>
+            <a:lnRef idx="1">
               <a:schemeClr val="accent3"/>
-            </a:solidFill>
-          </a:ln>
-          <a:effectLst/>
-        </p:spPr>
-        <p:style>
-          <a:lnRef idx="1">
-            <a:schemeClr val="accent3"/>
-          </a:lnRef>
-          <a:fillRef idx="2">
-            <a:schemeClr val="accent3"/>
-          </a:fillRef>
-          <a:effectRef idx="1">
-            <a:schemeClr val="accent3"/>
-          </a:effectRef>
-          <a:fontRef idx="minor">
-            <a:schemeClr val="dk1"/>
-          </a:fontRef>
-        </p:style>
-        <p:txBody>
-          <a:bodyPr rtlCol="0" anchor="ctr"/>
-          <a:lstStyle/>
-          <a:p>
-            <a:pPr algn="ctr"/>
-            <a:r>
-              <a:rPr lang="en-US" sz="1050" b="1" dirty="0" err="1">
+            </a:lnRef>
+            <a:fillRef idx="2">
+              <a:schemeClr val="accent3"/>
+            </a:fillRef>
+            <a:effectRef idx="1">
+              <a:schemeClr val="accent3"/>
+            </a:effectRef>
+            <a:fontRef idx="minor">
+              <a:schemeClr val="dk1"/>
+            </a:fontRef>
+          </p:style>
+          <p:txBody>
+            <a:bodyPr rtlCol="0" anchor="ctr"/>
+            <a:lstStyle/>
+            <a:p>
+              <a:pPr algn="ctr"/>
+              <a:r>
+                <a:rPr lang="en-US" sz="1050" b="1" dirty="0" err="1">
+                  <a:solidFill>
+                    <a:schemeClr val="accent3">
+                      <a:lumMod val="75000"/>
+                    </a:schemeClr>
+                  </a:solidFill>
+                </a:rPr>
+                <a:t>StatusBarFooter</a:t>
+              </a:r>
+              <a:endParaRPr lang="en-SG" sz="1050" b="1" dirty="0">
                 <a:solidFill>
                   <a:schemeClr val="accent3">
                     <a:lumMod val="75000"/>
                   </a:schemeClr>
                 </a:solidFill>
-              </a:rPr>
-              <a:t>StatusBarFooter</a:t>
-            </a:r>
-            <a:endParaRPr lang="en-SG" sz="1050" b="1" dirty="0">
+              </a:endParaRPr>
+            </a:p>
+          </p:txBody>
+        </p:sp>
+        <p:sp>
+          <p:nvSpPr>
+            <p:cNvPr id="36" name="Rectangle 11"/>
+            <p:cNvSpPr/>
+            <p:nvPr/>
+          </p:nvSpPr>
+          <p:spPr>
+            <a:xfrm>
+              <a:off x="2592526" y="3991960"/>
+              <a:ext cx="1194067" cy="236841"/>
+            </a:xfrm>
+            <a:prstGeom prst="rect">
+              <a:avLst/>
+            </a:prstGeom>
+            <a:ln w="19050">
               <a:solidFill>
-                <a:schemeClr val="accent3">
-                  <a:lumMod val="75000"/>
-                </a:schemeClr>
+                <a:schemeClr val="accent3"/>
               </a:solidFill>
-            </a:endParaRPr>
-          </a:p>
-        </p:txBody>
-      </p:sp>
-      <p:sp>
-        <p:nvSpPr>
-          <p:cNvPr id="36" name="Rectangle 11"/>
-          <p:cNvSpPr/>
-          <p:nvPr/>
-        </p:nvSpPr>
-        <p:spPr>
-          <a:xfrm>
-            <a:off x="2592526" y="3991960"/>
-            <a:ext cx="1093635" cy="236841"/>
-          </a:xfrm>
-          <a:prstGeom prst="rect">
-            <a:avLst/>
-          </a:prstGeom>
-          <a:ln w="19050">
-            <a:solidFill>
+            </a:ln>
+            <a:effectLst/>
+          </p:spPr>
+          <p:style>
+            <a:lnRef idx="1">
               <a:schemeClr val="accent3"/>
-            </a:solidFill>
-          </a:ln>
-          <a:effectLst/>
-        </p:spPr>
-        <p:style>
-          <a:lnRef idx="1">
-            <a:schemeClr val="accent3"/>
-          </a:lnRef>
-          <a:fillRef idx="2">
-            <a:schemeClr val="accent3"/>
-          </a:fillRef>
-          <a:effectRef idx="1">
-            <a:schemeClr val="accent3"/>
-          </a:effectRef>
-          <a:fontRef idx="minor">
-            <a:schemeClr val="dk1"/>
-          </a:fontRef>
-        </p:style>
-        <p:txBody>
-          <a:bodyPr rtlCol="0" anchor="ctr"/>
-          <a:lstStyle/>
-          <a:p>
-            <a:pPr algn="ctr"/>
-            <a:r>
-              <a:rPr lang="en-US" sz="1050" b="1" dirty="0" err="1">
+            </a:lnRef>
+            <a:fillRef idx="2">
+              <a:schemeClr val="accent3"/>
+            </a:fillRef>
+            <a:effectRef idx="1">
+              <a:schemeClr val="accent3"/>
+            </a:effectRef>
+            <a:fontRef idx="minor">
+              <a:schemeClr val="dk1"/>
+            </a:fontRef>
+          </p:style>
+          <p:txBody>
+            <a:bodyPr rtlCol="0" anchor="ctr"/>
+            <a:lstStyle/>
+            <a:p>
+              <a:pPr algn="ctr"/>
+              <a:r>
+                <a:rPr lang="en-US" sz="1050" b="1" dirty="0" err="1">
+                  <a:solidFill>
+                    <a:schemeClr val="accent3">
+                      <a:lumMod val="75000"/>
+                    </a:schemeClr>
+                  </a:solidFill>
+                </a:rPr>
+                <a:t>ModuleListPanel</a:t>
+              </a:r>
+              <a:endParaRPr lang="en-SG" sz="1050" b="1" dirty="0">
                 <a:solidFill>
                   <a:schemeClr val="accent3">
                     <a:lumMod val="75000"/>
                   </a:schemeClr>
                 </a:solidFill>
-              </a:rPr>
-              <a:t>PersonListPanel</a:t>
-            </a:r>
-            <a:endParaRPr lang="en-SG" sz="1050" b="1" dirty="0">
+              </a:endParaRPr>
+            </a:p>
+          </p:txBody>
+        </p:sp>
+        <p:sp>
+          <p:nvSpPr>
+            <p:cNvPr id="37" name="Rectangle 11"/>
+            <p:cNvSpPr/>
+            <p:nvPr/>
+          </p:nvSpPr>
+          <p:spPr>
+            <a:xfrm>
+              <a:off x="3886199" y="4228801"/>
+              <a:ext cx="994029" cy="236841"/>
+            </a:xfrm>
+            <a:prstGeom prst="rect">
+              <a:avLst/>
+            </a:prstGeom>
+            <a:ln w="19050">
               <a:solidFill>
-                <a:schemeClr val="accent3">
-                  <a:lumMod val="75000"/>
-                </a:schemeClr>
+                <a:schemeClr val="accent3"/>
               </a:solidFill>
-            </a:endParaRPr>
-          </a:p>
-        </p:txBody>
-      </p:sp>
-      <p:sp>
-        <p:nvSpPr>
-          <p:cNvPr id="37" name="Rectangle 11"/>
-          <p:cNvSpPr/>
-          <p:nvPr/>
-        </p:nvSpPr>
-        <p:spPr>
-          <a:xfrm>
-            <a:off x="3839323" y="4228801"/>
-            <a:ext cx="1040906" cy="236841"/>
-          </a:xfrm>
-          <a:prstGeom prst="rect">
-            <a:avLst/>
-          </a:prstGeom>
-          <a:ln w="19050">
-            <a:solidFill>
+            </a:ln>
+            <a:effectLst/>
+          </p:spPr>
+          <p:style>
+            <a:lnRef idx="1">
               <a:schemeClr val="accent3"/>
-            </a:solidFill>
-          </a:ln>
-          <a:effectLst/>
-        </p:spPr>
-        <p:style>
-          <a:lnRef idx="1">
-            <a:schemeClr val="accent3"/>
-          </a:lnRef>
-          <a:fillRef idx="2">
-            <a:schemeClr val="accent3"/>
-          </a:fillRef>
-          <a:effectRef idx="1">
-            <a:schemeClr val="accent3"/>
-          </a:effectRef>
-          <a:fontRef idx="minor">
-            <a:schemeClr val="dk1"/>
-          </a:fontRef>
-        </p:style>
-        <p:txBody>
-          <a:bodyPr rtlCol="0" anchor="ctr"/>
-          <a:lstStyle/>
-          <a:p>
-            <a:pPr algn="ctr"/>
-            <a:r>
-              <a:rPr lang="en-US" sz="1050" b="1" dirty="0" err="1">
+            </a:lnRef>
+            <a:fillRef idx="2">
+              <a:schemeClr val="accent3"/>
+            </a:fillRef>
+            <a:effectRef idx="1">
+              <a:schemeClr val="accent3"/>
+            </a:effectRef>
+            <a:fontRef idx="minor">
+              <a:schemeClr val="dk1"/>
+            </a:fontRef>
+          </p:style>
+          <p:txBody>
+            <a:bodyPr rtlCol="0" anchor="ctr"/>
+            <a:lstStyle/>
+            <a:p>
+              <a:pPr algn="ctr"/>
+              <a:r>
+                <a:rPr lang="en-US" sz="1050" b="1" dirty="0" err="1">
+                  <a:solidFill>
+                    <a:schemeClr val="accent3">
+                      <a:lumMod val="75000"/>
+                    </a:schemeClr>
+                  </a:solidFill>
+                </a:rPr>
+                <a:t>ModuleCard</a:t>
+              </a:r>
+              <a:endParaRPr lang="en-SG" sz="1050" b="1" dirty="0">
                 <a:solidFill>
                   <a:schemeClr val="accent3">
                     <a:lumMod val="75000"/>
                   </a:schemeClr>
                 </a:solidFill>
-              </a:rPr>
-              <a:t>PersonCard</a:t>
-            </a:r>
-            <a:endParaRPr lang="en-SG" sz="1050" b="1" dirty="0">
+              </a:endParaRPr>
+            </a:p>
+          </p:txBody>
+        </p:sp>
+        <p:sp>
+          <p:nvSpPr>
+            <p:cNvPr id="38" name="Rectangle 11"/>
+            <p:cNvSpPr/>
+            <p:nvPr/>
+          </p:nvSpPr>
+          <p:spPr>
+            <a:xfrm>
+              <a:off x="2592528" y="4966000"/>
+              <a:ext cx="1192335" cy="236841"/>
+            </a:xfrm>
+            <a:prstGeom prst="rect">
+              <a:avLst/>
+            </a:prstGeom>
+            <a:ln w="19050">
               <a:solidFill>
-                <a:schemeClr val="accent3">
-                  <a:lumMod val="75000"/>
-                </a:schemeClr>
+                <a:schemeClr val="accent3"/>
               </a:solidFill>
-            </a:endParaRPr>
-          </a:p>
-        </p:txBody>
-      </p:sp>
-      <p:sp>
-        <p:nvSpPr>
-          <p:cNvPr id="38" name="Rectangle 11"/>
-          <p:cNvSpPr/>
-          <p:nvPr/>
-        </p:nvSpPr>
-        <p:spPr>
-          <a:xfrm>
-            <a:off x="2592528" y="4966000"/>
-            <a:ext cx="1093635" cy="236841"/>
-          </a:xfrm>
-          <a:prstGeom prst="rect">
-            <a:avLst/>
-          </a:prstGeom>
-          <a:ln w="19050">
-            <a:solidFill>
+            </a:ln>
+            <a:effectLst/>
+          </p:spPr>
+          <p:style>
+            <a:lnRef idx="1">
               <a:schemeClr val="accent3"/>
-            </a:solidFill>
-          </a:ln>
-          <a:effectLst/>
-        </p:spPr>
-        <p:style>
-          <a:lnRef idx="1">
-            <a:schemeClr val="accent3"/>
-          </a:lnRef>
-          <a:fillRef idx="2">
-            <a:schemeClr val="accent3"/>
-          </a:fillRef>
-          <a:effectRef idx="1">
-            <a:schemeClr val="accent3"/>
-          </a:effectRef>
-          <a:fontRef idx="minor">
-            <a:schemeClr val="dk1"/>
-          </a:fontRef>
-        </p:style>
-        <p:txBody>
-          <a:bodyPr rtlCol="0" anchor="ctr"/>
-          <a:lstStyle/>
-          <a:p>
-            <a:pPr algn="ctr"/>
-            <a:r>
-              <a:rPr lang="en-US" sz="1050" b="1" dirty="0" err="1">
+            </a:lnRef>
+            <a:fillRef idx="2">
+              <a:schemeClr val="accent3"/>
+            </a:fillRef>
+            <a:effectRef idx="1">
+              <a:schemeClr val="accent3"/>
+            </a:effectRef>
+            <a:fontRef idx="minor">
+              <a:schemeClr val="dk1"/>
+            </a:fontRef>
+          </p:style>
+          <p:txBody>
+            <a:bodyPr rtlCol="0" anchor="ctr"/>
+            <a:lstStyle/>
+            <a:p>
+              <a:pPr algn="ctr"/>
+              <a:r>
+                <a:rPr lang="en-US" sz="1050" b="1" dirty="0" err="1">
+                  <a:solidFill>
+                    <a:schemeClr val="accent3">
+                      <a:lumMod val="75000"/>
+                    </a:schemeClr>
+                  </a:solidFill>
+                </a:rPr>
+                <a:t>HelpWindow</a:t>
+              </a:r>
+              <a:endParaRPr lang="en-SG" sz="1050" b="1" dirty="0">
                 <a:solidFill>
                   <a:schemeClr val="accent3">
                     <a:lumMod val="75000"/>
                   </a:schemeClr>
                 </a:solidFill>
-              </a:rPr>
-              <a:t>HelpWindow</a:t>
-            </a:r>
-            <a:endParaRPr lang="en-SG" sz="1050" b="1" dirty="0">
-              <a:solidFill>
-                <a:schemeClr val="accent3">
-                  <a:lumMod val="75000"/>
-                </a:schemeClr>
-              </a:solidFill>
-            </a:endParaRPr>
-          </a:p>
-        </p:txBody>
-      </p:sp>
-      <p:sp>
-        <p:nvSpPr>
-          <p:cNvPr id="39" name="Flowchart: Decision 38"/>
-          <p:cNvSpPr/>
-          <p:nvPr/>
-        </p:nvSpPr>
-        <p:spPr>
-          <a:xfrm>
-            <a:off x="2324548" y="2706452"/>
-            <a:ext cx="183156" cy="161573"/>
-          </a:xfrm>
-          <a:prstGeom prst="flowChartDecision">
-            <a:avLst/>
-          </a:prstGeom>
-          <a:solidFill>
-            <a:schemeClr val="accent3"/>
-          </a:solidFill>
-          <a:ln>
+              </a:endParaRPr>
+            </a:p>
+          </p:txBody>
+        </p:sp>
+        <p:sp>
+          <p:nvSpPr>
+            <p:cNvPr id="39" name="Flowchart: Decision 38"/>
+            <p:cNvSpPr/>
+            <p:nvPr/>
+          </p:nvSpPr>
+          <p:spPr>
+            <a:xfrm>
+              <a:off x="2324548" y="2706452"/>
+              <a:ext cx="183156" cy="161573"/>
+            </a:xfrm>
+            <a:prstGeom prst="flowChartDecision">
+              <a:avLst/>
+            </a:prstGeom>
             <a:solidFill>
               <a:schemeClr val="accent3"/>
             </a:solidFill>
-          </a:ln>
-        </p:spPr>
-        <p:style>
-          <a:lnRef idx="2">
-            <a:schemeClr val="accent1">
-              <a:shade val="50000"/>
-            </a:schemeClr>
-          </a:lnRef>
-          <a:fillRef idx="1">
-            <a:schemeClr val="accent1"/>
-          </a:fillRef>
-          <a:effectRef idx="0">
-            <a:schemeClr val="accent1"/>
-          </a:effectRef>
-          <a:fontRef idx="minor">
-            <a:schemeClr val="lt1"/>
-          </a:fontRef>
-        </p:style>
-        <p:txBody>
-          <a:bodyPr rtlCol="0" anchor="ctr"/>
-          <a:lstStyle/>
-          <a:p>
-            <a:pPr algn="ctr"/>
-            <a:endParaRPr lang="en-SG"/>
-          </a:p>
-        </p:txBody>
-      </p:sp>
-      <p:cxnSp>
-        <p:nvCxnSpPr>
-          <p:cNvPr id="40" name="Elbow Connector 63"/>
-          <p:cNvCxnSpPr>
-            <a:stCxn id="39" idx="2"/>
-            <a:endCxn id="3" idx="1"/>
-          </p:cNvCxnSpPr>
-          <p:nvPr/>
-        </p:nvCxnSpPr>
-        <p:spPr>
-          <a:xfrm rot="16200000" flipH="1">
-            <a:off x="2393229" y="2890922"/>
-            <a:ext cx="222196" cy="176402"/>
-          </a:xfrm>
-          <a:prstGeom prst="bentConnector2">
-            <a:avLst/>
-          </a:prstGeom>
-          <a:ln w="19050">
-            <a:solidFill>
+            <a:ln>
+              <a:solidFill>
+                <a:schemeClr val="accent3"/>
+              </a:solidFill>
+            </a:ln>
+          </p:spPr>
+          <p:style>
+            <a:lnRef idx="2">
+              <a:schemeClr val="accent1">
+                <a:shade val="50000"/>
+              </a:schemeClr>
+            </a:lnRef>
+            <a:fillRef idx="1">
+              <a:schemeClr val="accent1"/>
+            </a:fillRef>
+            <a:effectRef idx="0">
+              <a:schemeClr val="accent1"/>
+            </a:effectRef>
+            <a:fontRef idx="minor">
+              <a:schemeClr val="lt1"/>
+            </a:fontRef>
+          </p:style>
+          <p:txBody>
+            <a:bodyPr rtlCol="0" anchor="ctr"/>
+            <a:lstStyle/>
+            <a:p>
+              <a:pPr algn="ctr"/>
+              <a:endParaRPr lang="en-SG"/>
+            </a:p>
+          </p:txBody>
+        </p:sp>
+        <p:cxnSp>
+          <p:nvCxnSpPr>
+            <p:cNvPr id="40" name="Elbow Connector 63"/>
+            <p:cNvCxnSpPr>
+              <a:cxnSpLocks/>
+              <a:stCxn id="39" idx="2"/>
+              <a:endCxn id="3" idx="1"/>
+            </p:cNvCxnSpPr>
+            <p:nvPr/>
+          </p:nvCxnSpPr>
+          <p:spPr>
+            <a:xfrm rot="16200000" flipH="1">
+              <a:off x="2393229" y="2890922"/>
+              <a:ext cx="222196" cy="176402"/>
+            </a:xfrm>
+            <a:prstGeom prst="bentConnector2">
+              <a:avLst/>
+            </a:prstGeom>
+            <a:ln w="19050">
+              <a:solidFill>
+                <a:schemeClr val="accent3"/>
+              </a:solidFill>
+              <a:headEnd type="none" w="med" len="med"/>
+              <a:tailEnd type="arrow" w="med" len="med"/>
+            </a:ln>
+            <a:effectLst/>
+          </p:spPr>
+          <p:style>
+            <a:lnRef idx="1">
+              <a:schemeClr val="accent2"/>
+            </a:lnRef>
+            <a:fillRef idx="2">
+              <a:schemeClr val="accent2"/>
+            </a:fillRef>
+            <a:effectRef idx="1">
+              <a:schemeClr val="accent2"/>
+            </a:effectRef>
+            <a:fontRef idx="minor">
+              <a:schemeClr val="dk1"/>
+            </a:fontRef>
+          </p:style>
+        </p:cxnSp>
+        <p:sp>
+          <p:nvSpPr>
+            <p:cNvPr id="43" name="Rectangle 11"/>
+            <p:cNvSpPr/>
+            <p:nvPr/>
+          </p:nvSpPr>
+          <p:spPr>
+            <a:xfrm>
+              <a:off x="2590799" y="3304308"/>
+              <a:ext cx="1194064" cy="236841"/>
+            </a:xfrm>
+            <a:prstGeom prst="rect">
+              <a:avLst/>
+            </a:prstGeom>
+            <a:ln w="19050">
+              <a:solidFill>
+                <a:schemeClr val="accent3"/>
+              </a:solidFill>
+            </a:ln>
+            <a:effectLst/>
+          </p:spPr>
+          <p:style>
+            <a:lnRef idx="1">
               <a:schemeClr val="accent3"/>
-            </a:solidFill>
-            <a:headEnd type="none" w="med" len="med"/>
-            <a:tailEnd type="arrow" w="med" len="med"/>
-          </a:ln>
-          <a:effectLst/>
-        </p:spPr>
-        <p:style>
-          <a:lnRef idx="1">
-            <a:schemeClr val="accent2"/>
-          </a:lnRef>
-          <a:fillRef idx="2">
-            <a:schemeClr val="accent2"/>
-          </a:fillRef>
-          <a:effectRef idx="1">
-            <a:schemeClr val="accent2"/>
-          </a:effectRef>
-          <a:fontRef idx="minor">
-            <a:schemeClr val="dk1"/>
-          </a:fontRef>
-        </p:style>
-      </p:cxnSp>
-      <p:sp>
-        <p:nvSpPr>
-          <p:cNvPr id="43" name="Rectangle 11"/>
-          <p:cNvSpPr/>
-          <p:nvPr/>
-        </p:nvSpPr>
-        <p:spPr>
-          <a:xfrm>
-            <a:off x="2590799" y="3304308"/>
-            <a:ext cx="1095361" cy="236841"/>
-          </a:xfrm>
-          <a:prstGeom prst="rect">
-            <a:avLst/>
-          </a:prstGeom>
-          <a:ln w="19050">
-            <a:solidFill>
+            </a:lnRef>
+            <a:fillRef idx="2">
               <a:schemeClr val="accent3"/>
-            </a:solidFill>
-          </a:ln>
-          <a:effectLst/>
-        </p:spPr>
-        <p:style>
-          <a:lnRef idx="1">
-            <a:schemeClr val="accent3"/>
-          </a:lnRef>
-          <a:fillRef idx="2">
-            <a:schemeClr val="accent3"/>
-          </a:fillRef>
-          <a:effectRef idx="1">
-            <a:schemeClr val="accent3"/>
-          </a:effectRef>
-          <a:fontRef idx="minor">
-            <a:schemeClr val="dk1"/>
-          </a:fontRef>
-        </p:style>
-        <p:txBody>
-          <a:bodyPr rtlCol="0" anchor="ctr"/>
-          <a:lstStyle/>
-          <a:p>
-            <a:pPr algn="ctr"/>
-            <a:r>
-              <a:rPr lang="en-US" sz="1050" b="1" dirty="0" err="1">
+            </a:fillRef>
+            <a:effectRef idx="1">
+              <a:schemeClr val="accent3"/>
+            </a:effectRef>
+            <a:fontRef idx="minor">
+              <a:schemeClr val="dk1"/>
+            </a:fontRef>
+          </p:style>
+          <p:txBody>
+            <a:bodyPr rtlCol="0" anchor="ctr"/>
+            <a:lstStyle/>
+            <a:p>
+              <a:pPr algn="ctr"/>
+              <a:r>
+                <a:rPr lang="en-US" sz="1050" b="1" dirty="0" err="1">
+                  <a:solidFill>
+                    <a:schemeClr val="accent3">
+                      <a:lumMod val="75000"/>
+                    </a:schemeClr>
+                  </a:solidFill>
+                </a:rPr>
+                <a:t>ResultDisplay</a:t>
+              </a:r>
+              <a:endParaRPr lang="en-SG" sz="1050" b="1" dirty="0">
                 <a:solidFill>
                   <a:schemeClr val="accent3">
                     <a:lumMod val="75000"/>
                   </a:schemeClr>
                 </a:solidFill>
-              </a:rPr>
-              <a:t>ResultDisplay</a:t>
-            </a:r>
-            <a:endParaRPr lang="en-SG" sz="1050" b="1" dirty="0">
+              </a:endParaRPr>
+            </a:p>
+          </p:txBody>
+        </p:sp>
+        <p:cxnSp>
+          <p:nvCxnSpPr>
+            <p:cNvPr id="44" name="Elbow Connector 63"/>
+            <p:cNvCxnSpPr>
+              <a:cxnSpLocks/>
+              <a:stCxn id="39" idx="2"/>
+              <a:endCxn id="34" idx="1"/>
+            </p:cNvCxnSpPr>
+            <p:nvPr/>
+          </p:nvCxnSpPr>
+          <p:spPr>
+            <a:xfrm rot="16200000" flipH="1">
+              <a:off x="2054450" y="3229701"/>
+              <a:ext cx="899755" cy="176402"/>
+            </a:xfrm>
+            <a:prstGeom prst="bentConnector2">
+              <a:avLst/>
+            </a:prstGeom>
+            <a:ln w="19050">
               <a:solidFill>
-                <a:schemeClr val="accent3">
-                  <a:lumMod val="75000"/>
-                </a:schemeClr>
+                <a:schemeClr val="accent3"/>
               </a:solidFill>
-            </a:endParaRPr>
-          </a:p>
-        </p:txBody>
-      </p:sp>
-      <p:cxnSp>
-        <p:nvCxnSpPr>
-          <p:cNvPr id="44" name="Elbow Connector 63"/>
-          <p:cNvCxnSpPr>
-            <a:stCxn id="39" idx="2"/>
-            <a:endCxn id="34" idx="1"/>
-          </p:cNvCxnSpPr>
-          <p:nvPr/>
-        </p:nvCxnSpPr>
-        <p:spPr>
-          <a:xfrm rot="16200000" flipH="1">
-            <a:off x="2054450" y="3229701"/>
-            <a:ext cx="899755" cy="176402"/>
-          </a:xfrm>
-          <a:prstGeom prst="bentConnector2">
-            <a:avLst/>
-          </a:prstGeom>
-          <a:ln w="19050">
-            <a:solidFill>
+              <a:headEnd type="none" w="med" len="med"/>
+              <a:tailEnd type="arrow" w="med" len="med"/>
+            </a:ln>
+            <a:effectLst/>
+          </p:spPr>
+          <p:style>
+            <a:lnRef idx="1">
+              <a:schemeClr val="accent2"/>
+            </a:lnRef>
+            <a:fillRef idx="2">
+              <a:schemeClr val="accent2"/>
+            </a:fillRef>
+            <a:effectRef idx="1">
+              <a:schemeClr val="accent2"/>
+            </a:effectRef>
+            <a:fontRef idx="minor">
+              <a:schemeClr val="dk1"/>
+            </a:fontRef>
+          </p:style>
+        </p:cxnSp>
+        <p:cxnSp>
+          <p:nvCxnSpPr>
+            <p:cNvPr id="47" name="Elbow Connector 63"/>
+            <p:cNvCxnSpPr>
+              <a:cxnSpLocks/>
+              <a:stCxn id="39" idx="2"/>
+              <a:endCxn id="36" idx="1"/>
+            </p:cNvCxnSpPr>
+            <p:nvPr/>
+          </p:nvCxnSpPr>
+          <p:spPr>
+            <a:xfrm rot="16200000" flipH="1">
+              <a:off x="1883148" y="3401003"/>
+              <a:ext cx="1242356" cy="176400"/>
+            </a:xfrm>
+            <a:prstGeom prst="bentConnector2">
+              <a:avLst/>
+            </a:prstGeom>
+            <a:ln w="19050">
+              <a:solidFill>
+                <a:schemeClr val="accent3"/>
+              </a:solidFill>
+              <a:headEnd type="none" w="med" len="med"/>
+              <a:tailEnd type="arrow" w="med" len="med"/>
+            </a:ln>
+            <a:effectLst/>
+          </p:spPr>
+          <p:style>
+            <a:lnRef idx="1">
+              <a:schemeClr val="accent2"/>
+            </a:lnRef>
+            <a:fillRef idx="2">
+              <a:schemeClr val="accent2"/>
+            </a:fillRef>
+            <a:effectRef idx="1">
+              <a:schemeClr val="accent2"/>
+            </a:effectRef>
+            <a:fontRef idx="minor">
+              <a:schemeClr val="dk1"/>
+            </a:fontRef>
+          </p:style>
+        </p:cxnSp>
+        <p:cxnSp>
+          <p:nvCxnSpPr>
+            <p:cNvPr id="50" name="Elbow Connector 63"/>
+            <p:cNvCxnSpPr>
+              <a:cxnSpLocks/>
+              <a:stCxn id="39" idx="2"/>
+              <a:endCxn id="35" idx="1"/>
+            </p:cNvCxnSpPr>
+            <p:nvPr/>
+          </p:nvCxnSpPr>
+          <p:spPr>
+            <a:xfrm rot="16200000" flipH="1">
+              <a:off x="1597249" y="3686901"/>
+              <a:ext cx="1814155" cy="176401"/>
+            </a:xfrm>
+            <a:prstGeom prst="bentConnector2">
+              <a:avLst/>
+            </a:prstGeom>
+            <a:ln w="19050">
+              <a:solidFill>
+                <a:schemeClr val="accent3"/>
+              </a:solidFill>
+              <a:headEnd type="none" w="med" len="med"/>
+              <a:tailEnd type="arrow" w="med" len="med"/>
+            </a:ln>
+            <a:effectLst/>
+          </p:spPr>
+          <p:style>
+            <a:lnRef idx="1">
+              <a:schemeClr val="accent2"/>
+            </a:lnRef>
+            <a:fillRef idx="2">
+              <a:schemeClr val="accent2"/>
+            </a:fillRef>
+            <a:effectRef idx="1">
+              <a:schemeClr val="accent2"/>
+            </a:effectRef>
+            <a:fontRef idx="minor">
+              <a:schemeClr val="dk1"/>
+            </a:fontRef>
+          </p:style>
+        </p:cxnSp>
+        <p:cxnSp>
+          <p:nvCxnSpPr>
+            <p:cNvPr id="53" name="Elbow Connector 63"/>
+            <p:cNvCxnSpPr>
+              <a:cxnSpLocks/>
+              <a:endCxn id="38" idx="1"/>
+            </p:cNvCxnSpPr>
+            <p:nvPr/>
+          </p:nvCxnSpPr>
+          <p:spPr>
+            <a:xfrm rot="16200000" flipH="1">
+              <a:off x="1184119" y="3676012"/>
+              <a:ext cx="2396440" cy="420378"/>
+            </a:xfrm>
+            <a:prstGeom prst="bentConnector2">
+              <a:avLst/>
+            </a:prstGeom>
+            <a:ln w="19050">
+              <a:solidFill>
+                <a:schemeClr val="accent3"/>
+              </a:solidFill>
+              <a:headEnd type="none" w="med" len="med"/>
+              <a:tailEnd type="arrow" w="med" len="med"/>
+            </a:ln>
+            <a:effectLst/>
+          </p:spPr>
+          <p:style>
+            <a:lnRef idx="1">
+              <a:schemeClr val="accent2"/>
+            </a:lnRef>
+            <a:fillRef idx="2">
+              <a:schemeClr val="accent2"/>
+            </a:fillRef>
+            <a:effectRef idx="1">
+              <a:schemeClr val="accent2"/>
+            </a:effectRef>
+            <a:fontRef idx="minor">
+              <a:schemeClr val="dk1"/>
+            </a:fontRef>
+          </p:style>
+        </p:cxnSp>
+        <p:sp>
+          <p:nvSpPr>
+            <p:cNvPr id="73" name="Rectangle 62"/>
+            <p:cNvSpPr/>
+            <p:nvPr/>
+          </p:nvSpPr>
+          <p:spPr>
+            <a:xfrm>
+              <a:off x="5143948" y="1770924"/>
+              <a:ext cx="772043" cy="346760"/>
+            </a:xfrm>
+            <a:prstGeom prst="rect">
+              <a:avLst/>
+            </a:prstGeom>
+            <a:ln w="6350">
+              <a:solidFill>
+                <a:schemeClr val="accent3"/>
+              </a:solidFill>
+            </a:ln>
+            <a:effectLst/>
+          </p:spPr>
+          <p:style>
+            <a:lnRef idx="1">
               <a:schemeClr val="accent3"/>
-            </a:solidFill>
-            <a:headEnd type="none" w="med" len="med"/>
-            <a:tailEnd type="arrow" w="med" len="med"/>
-          </a:ln>
-          <a:effectLst/>
-        </p:spPr>
-        <p:style>
-          <a:lnRef idx="1">
-            <a:schemeClr val="accent2"/>
-          </a:lnRef>
-          <a:fillRef idx="2">
-            <a:schemeClr val="accent2"/>
-          </a:fillRef>
-          <a:effectRef idx="1">
-            <a:schemeClr val="accent2"/>
-          </a:effectRef>
-          <a:fontRef idx="minor">
-            <a:schemeClr val="dk1"/>
-          </a:fontRef>
-        </p:style>
-      </p:cxnSp>
-      <p:cxnSp>
-        <p:nvCxnSpPr>
-          <p:cNvPr id="47" name="Elbow Connector 63"/>
-          <p:cNvCxnSpPr>
-            <a:stCxn id="39" idx="2"/>
-            <a:endCxn id="36" idx="1"/>
-          </p:cNvCxnSpPr>
-          <p:nvPr/>
-        </p:nvCxnSpPr>
-        <p:spPr>
-          <a:xfrm rot="16200000" flipH="1">
-            <a:off x="1883148" y="3401003"/>
-            <a:ext cx="1242356" cy="176400"/>
-          </a:xfrm>
-          <a:prstGeom prst="bentConnector2">
-            <a:avLst/>
-          </a:prstGeom>
-          <a:ln w="19050">
-            <a:solidFill>
+            </a:lnRef>
+            <a:fillRef idx="2">
               <a:schemeClr val="accent3"/>
-            </a:solidFill>
-            <a:headEnd type="none" w="med" len="med"/>
-            <a:tailEnd type="arrow" w="med" len="med"/>
-          </a:ln>
-          <a:effectLst/>
-        </p:spPr>
-        <p:style>
-          <a:lnRef idx="1">
-            <a:schemeClr val="accent2"/>
-          </a:lnRef>
-          <a:fillRef idx="2">
-            <a:schemeClr val="accent2"/>
-          </a:fillRef>
-          <a:effectRef idx="1">
-            <a:schemeClr val="accent2"/>
-          </a:effectRef>
-          <a:fontRef idx="minor">
-            <a:schemeClr val="dk1"/>
-          </a:fontRef>
-        </p:style>
-      </p:cxnSp>
-      <p:cxnSp>
-        <p:nvCxnSpPr>
-          <p:cNvPr id="50" name="Elbow Connector 63"/>
-          <p:cNvCxnSpPr>
-            <a:stCxn id="39" idx="2"/>
-            <a:endCxn id="35" idx="1"/>
-          </p:cNvCxnSpPr>
-          <p:nvPr/>
-        </p:nvCxnSpPr>
-        <p:spPr>
-          <a:xfrm rot="16200000" flipH="1">
-            <a:off x="1597249" y="3686901"/>
-            <a:ext cx="1814155" cy="176401"/>
-          </a:xfrm>
-          <a:prstGeom prst="bentConnector2">
-            <a:avLst/>
-          </a:prstGeom>
-          <a:ln w="19050">
-            <a:solidFill>
+            </a:fillRef>
+            <a:effectRef idx="1">
               <a:schemeClr val="accent3"/>
-            </a:solidFill>
-            <a:headEnd type="none" w="med" len="med"/>
-            <a:tailEnd type="arrow" w="med" len="med"/>
-          </a:ln>
-          <a:effectLst/>
-        </p:spPr>
-        <p:style>
-          <a:lnRef idx="1">
-            <a:schemeClr val="accent2"/>
-          </a:lnRef>
-          <a:fillRef idx="2">
-            <a:schemeClr val="accent2"/>
-          </a:fillRef>
-          <a:effectRef idx="1">
-            <a:schemeClr val="accent2"/>
-          </a:effectRef>
-          <a:fontRef idx="minor">
-            <a:schemeClr val="dk1"/>
-          </a:fontRef>
-        </p:style>
-      </p:cxnSp>
-      <p:cxnSp>
-        <p:nvCxnSpPr>
-          <p:cNvPr id="53" name="Elbow Connector 63"/>
-          <p:cNvCxnSpPr>
-            <a:endCxn id="38" idx="1"/>
-          </p:cNvCxnSpPr>
-          <p:nvPr/>
-        </p:nvCxnSpPr>
-        <p:spPr>
-          <a:xfrm rot="16200000" flipH="1">
-            <a:off x="1184119" y="3676012"/>
-            <a:ext cx="2396440" cy="420377"/>
-          </a:xfrm>
-          <a:prstGeom prst="bentConnector2">
-            <a:avLst/>
-          </a:prstGeom>
-          <a:ln w="19050">
-            <a:solidFill>
-              <a:schemeClr val="accent3"/>
-            </a:solidFill>
-            <a:headEnd type="none" w="med" len="med"/>
-            <a:tailEnd type="arrow" w="med" len="med"/>
-          </a:ln>
-          <a:effectLst/>
-        </p:spPr>
-        <p:style>
-          <a:lnRef idx="1">
-            <a:schemeClr val="accent2"/>
-          </a:lnRef>
-          <a:fillRef idx="2">
-            <a:schemeClr val="accent2"/>
-          </a:fillRef>
-          <a:effectRef idx="1">
-            <a:schemeClr val="accent2"/>
-          </a:effectRef>
-          <a:fontRef idx="minor">
-            <a:schemeClr val="dk1"/>
-          </a:fontRef>
-        </p:style>
-      </p:cxnSp>
-      <p:sp>
-        <p:nvSpPr>
-          <p:cNvPr id="73" name="Rectangle 62"/>
-          <p:cNvSpPr/>
-          <p:nvPr/>
-        </p:nvSpPr>
-        <p:spPr>
-          <a:xfrm>
-            <a:off x="5143948" y="1770924"/>
-            <a:ext cx="772043" cy="346760"/>
-          </a:xfrm>
-          <a:prstGeom prst="rect">
-            <a:avLst/>
-          </a:prstGeom>
-          <a:ln w="6350">
-            <a:solidFill>
-              <a:schemeClr val="accent3"/>
-            </a:solidFill>
-          </a:ln>
-          <a:effectLst/>
-        </p:spPr>
-        <p:style>
-          <a:lnRef idx="1">
-            <a:schemeClr val="accent3"/>
-          </a:lnRef>
-          <a:fillRef idx="2">
-            <a:schemeClr val="accent3"/>
-          </a:fillRef>
-          <a:effectRef idx="1">
-            <a:schemeClr val="accent3"/>
-          </a:effectRef>
-          <a:fontRef idx="minor">
-            <a:schemeClr val="dk1"/>
-          </a:fontRef>
-        </p:style>
-        <p:txBody>
-          <a:bodyPr rtlCol="0" anchor="ctr"/>
-          <a:lstStyle/>
-          <a:p>
-            <a:pPr algn="ctr"/>
-            <a:r>
-              <a:rPr lang="en-US" sz="1050" b="1" dirty="0">
+            </a:effectRef>
+            <a:fontRef idx="minor">
+              <a:schemeClr val="dk1"/>
+            </a:fontRef>
+          </p:style>
+          <p:txBody>
+            <a:bodyPr rtlCol="0" anchor="ctr"/>
+            <a:lstStyle/>
+            <a:p>
+              <a:pPr algn="ctr"/>
+              <a:r>
+                <a:rPr lang="en-US" sz="1050" b="1" dirty="0">
+                  <a:solidFill>
+                    <a:schemeClr val="accent3">
+                      <a:lumMod val="75000"/>
+                    </a:schemeClr>
+                  </a:solidFill>
+                </a:rPr>
+                <a:t>{abstract}</a:t>
+              </a:r>
+              <a:br>
+                <a:rPr lang="en-US" sz="1050" b="1" dirty="0">
+                  <a:solidFill>
+                    <a:schemeClr val="accent3">
+                      <a:lumMod val="75000"/>
+                    </a:schemeClr>
+                  </a:solidFill>
+                </a:rPr>
+              </a:br>
+              <a:r>
+                <a:rPr lang="en-US" sz="1050" b="1" dirty="0" err="1">
+                  <a:solidFill>
+                    <a:schemeClr val="accent3">
+                      <a:lumMod val="75000"/>
+                    </a:schemeClr>
+                  </a:solidFill>
+                </a:rPr>
+                <a:t>UiPart</a:t>
+              </a:r>
+              <a:endParaRPr lang="en-SG" sz="1050" b="1" dirty="0">
                 <a:solidFill>
                   <a:schemeClr val="accent3">
                     <a:lumMod val="75000"/>
                   </a:schemeClr>
                 </a:solidFill>
-              </a:rPr>
-              <a:t>{abstract}</a:t>
-            </a:r>
-            <a:br>
-              <a:rPr lang="en-US" sz="1050" b="1" dirty="0">
+              </a:endParaRPr>
+            </a:p>
+          </p:txBody>
+        </p:sp>
+        <p:cxnSp>
+          <p:nvCxnSpPr>
+            <p:cNvPr id="74" name="Elbow Connector 63"/>
+            <p:cNvCxnSpPr>
+              <a:cxnSpLocks/>
+              <a:stCxn id="43" idx="3"/>
+              <a:endCxn id="16" idx="3"/>
+            </p:cNvCxnSpPr>
+            <p:nvPr/>
+          </p:nvCxnSpPr>
+          <p:spPr>
+            <a:xfrm flipV="1">
+              <a:off x="3784863" y="2286000"/>
+              <a:ext cx="1745106" cy="1136729"/>
+            </a:xfrm>
+            <a:prstGeom prst="bentConnector2">
+              <a:avLst/>
+            </a:prstGeom>
+            <a:ln w="6350">
+              <a:solidFill>
+                <a:schemeClr val="accent3"/>
+              </a:solidFill>
+              <a:headEnd type="none" w="med" len="med"/>
+              <a:tailEnd type="none" w="med" len="med"/>
+            </a:ln>
+            <a:effectLst/>
+          </p:spPr>
+          <p:style>
+            <a:lnRef idx="1">
+              <a:schemeClr val="accent2"/>
+            </a:lnRef>
+            <a:fillRef idx="2">
+              <a:schemeClr val="accent2"/>
+            </a:fillRef>
+            <a:effectRef idx="1">
+              <a:schemeClr val="accent2"/>
+            </a:effectRef>
+            <a:fontRef idx="minor">
+              <a:schemeClr val="dk1"/>
+            </a:fontRef>
+          </p:style>
+        </p:cxnSp>
+        <p:cxnSp>
+          <p:nvCxnSpPr>
+            <p:cNvPr id="77" name="Elbow Connector 63"/>
+            <p:cNvCxnSpPr>
+              <a:cxnSpLocks/>
+              <a:stCxn id="16" idx="3"/>
+              <a:endCxn id="37" idx="3"/>
+            </p:cNvCxnSpPr>
+            <p:nvPr/>
+          </p:nvCxnSpPr>
+          <p:spPr>
+            <a:xfrm rot="5400000">
+              <a:off x="4174488" y="2991741"/>
+              <a:ext cx="2061222" cy="649741"/>
+            </a:xfrm>
+            <a:prstGeom prst="bentConnector2">
+              <a:avLst/>
+            </a:prstGeom>
+            <a:ln w="6350">
+              <a:solidFill>
+                <a:schemeClr val="accent3"/>
+              </a:solidFill>
+              <a:headEnd type="none" w="med" len="med"/>
+              <a:tailEnd type="none" w="med" len="med"/>
+            </a:ln>
+            <a:effectLst/>
+          </p:spPr>
+          <p:style>
+            <a:lnRef idx="1">
+              <a:schemeClr val="accent2"/>
+            </a:lnRef>
+            <a:fillRef idx="2">
+              <a:schemeClr val="accent2"/>
+            </a:fillRef>
+            <a:effectRef idx="1">
+              <a:schemeClr val="accent2"/>
+            </a:effectRef>
+            <a:fontRef idx="minor">
+              <a:schemeClr val="dk1"/>
+            </a:fontRef>
+          </p:style>
+        </p:cxnSp>
+        <p:cxnSp>
+          <p:nvCxnSpPr>
+            <p:cNvPr id="82" name="Elbow Connector 63"/>
+            <p:cNvCxnSpPr>
+              <a:cxnSpLocks/>
+              <a:stCxn id="16" idx="3"/>
+              <a:endCxn id="34" idx="3"/>
+            </p:cNvCxnSpPr>
+            <p:nvPr/>
+          </p:nvCxnSpPr>
+          <p:spPr>
+            <a:xfrm rot="5400000">
+              <a:off x="3917391" y="2155202"/>
+              <a:ext cx="1481780" cy="1743377"/>
+            </a:xfrm>
+            <a:prstGeom prst="bentConnector2">
+              <a:avLst/>
+            </a:prstGeom>
+            <a:ln w="6350">
+              <a:solidFill>
+                <a:schemeClr val="accent3"/>
+              </a:solidFill>
+              <a:headEnd type="none" w="med" len="med"/>
+              <a:tailEnd type="none" w="med" len="med"/>
+            </a:ln>
+            <a:effectLst/>
+          </p:spPr>
+          <p:style>
+            <a:lnRef idx="1">
+              <a:schemeClr val="accent2"/>
+            </a:lnRef>
+            <a:fillRef idx="2">
+              <a:schemeClr val="accent2"/>
+            </a:fillRef>
+            <a:effectRef idx="1">
+              <a:schemeClr val="accent2"/>
+            </a:effectRef>
+            <a:fontRef idx="minor">
+              <a:schemeClr val="dk1"/>
+            </a:fontRef>
+          </p:style>
+        </p:cxnSp>
+        <p:cxnSp>
+          <p:nvCxnSpPr>
+            <p:cNvPr id="88" name="Elbow Connector 63"/>
+            <p:cNvCxnSpPr>
+              <a:stCxn id="2" idx="3"/>
+              <a:endCxn id="16" idx="3"/>
+            </p:cNvCxnSpPr>
+            <p:nvPr/>
+          </p:nvCxnSpPr>
+          <p:spPr>
+            <a:xfrm flipV="1">
+              <a:off x="3189583" y="2286000"/>
+              <a:ext cx="2340386" cy="228600"/>
+            </a:xfrm>
+            <a:prstGeom prst="bentConnector2">
+              <a:avLst/>
+            </a:prstGeom>
+            <a:ln w="6350">
+              <a:solidFill>
+                <a:schemeClr val="accent3"/>
+              </a:solidFill>
+              <a:headEnd type="none" w="med" len="med"/>
+              <a:tailEnd type="none" w="med" len="med"/>
+            </a:ln>
+            <a:effectLst/>
+          </p:spPr>
+          <p:style>
+            <a:lnRef idx="1">
+              <a:schemeClr val="accent2"/>
+            </a:lnRef>
+            <a:fillRef idx="2">
+              <a:schemeClr val="accent2"/>
+            </a:fillRef>
+            <a:effectRef idx="1">
+              <a:schemeClr val="accent2"/>
+            </a:effectRef>
+            <a:fontRef idx="minor">
+              <a:schemeClr val="dk1"/>
+            </a:fontRef>
+          </p:style>
+        </p:cxnSp>
+        <p:cxnSp>
+          <p:nvCxnSpPr>
+            <p:cNvPr id="91" name="Elbow Connector 63"/>
+            <p:cNvCxnSpPr>
+              <a:cxnSpLocks/>
+              <a:stCxn id="16" idx="3"/>
+              <a:endCxn id="35" idx="3"/>
+            </p:cNvCxnSpPr>
+            <p:nvPr/>
+          </p:nvCxnSpPr>
+          <p:spPr>
+            <a:xfrm rot="5400000">
+              <a:off x="3459326" y="2611537"/>
+              <a:ext cx="2396180" cy="1745106"/>
+            </a:xfrm>
+            <a:prstGeom prst="bentConnector2">
+              <a:avLst/>
+            </a:prstGeom>
+            <a:ln w="6350">
+              <a:solidFill>
+                <a:schemeClr val="accent3"/>
+              </a:solidFill>
+              <a:headEnd type="none" w="med" len="med"/>
+              <a:tailEnd type="none" w="med" len="med"/>
+            </a:ln>
+            <a:effectLst/>
+          </p:spPr>
+          <p:style>
+            <a:lnRef idx="1">
+              <a:schemeClr val="accent2"/>
+            </a:lnRef>
+            <a:fillRef idx="2">
+              <a:schemeClr val="accent2"/>
+            </a:fillRef>
+            <a:effectRef idx="1">
+              <a:schemeClr val="accent2"/>
+            </a:effectRef>
+            <a:fontRef idx="minor">
+              <a:schemeClr val="dk1"/>
+            </a:fontRef>
+          </p:style>
+        </p:cxnSp>
+        <p:cxnSp>
+          <p:nvCxnSpPr>
+            <p:cNvPr id="94" name="Elbow Connector 63"/>
+            <p:cNvCxnSpPr>
+              <a:cxnSpLocks/>
+              <a:stCxn id="16" idx="3"/>
+              <a:endCxn id="38" idx="3"/>
+            </p:cNvCxnSpPr>
+            <p:nvPr/>
+          </p:nvCxnSpPr>
+          <p:spPr>
+            <a:xfrm rot="5400000">
+              <a:off x="3258206" y="2812657"/>
+              <a:ext cx="2798421" cy="1745106"/>
+            </a:xfrm>
+            <a:prstGeom prst="bentConnector2">
+              <a:avLst/>
+            </a:prstGeom>
+            <a:ln w="6350">
+              <a:solidFill>
+                <a:schemeClr val="accent3"/>
+              </a:solidFill>
+              <a:headEnd type="none" w="med" len="med"/>
+              <a:tailEnd type="none" w="med" len="med"/>
+            </a:ln>
+            <a:effectLst/>
+          </p:spPr>
+          <p:style>
+            <a:lnRef idx="1">
+              <a:schemeClr val="accent2"/>
+            </a:lnRef>
+            <a:fillRef idx="2">
+              <a:schemeClr val="accent2"/>
+            </a:fillRef>
+            <a:effectRef idx="1">
+              <a:schemeClr val="accent2"/>
+            </a:effectRef>
+            <a:fontRef idx="minor">
+              <a:schemeClr val="dk1"/>
+            </a:fontRef>
+          </p:style>
+        </p:cxnSp>
+        <p:cxnSp>
+          <p:nvCxnSpPr>
+            <p:cNvPr id="107" name="Elbow Connector 106"/>
+            <p:cNvCxnSpPr>
+              <a:stCxn id="9" idx="0"/>
+            </p:cNvCxnSpPr>
+            <p:nvPr/>
+          </p:nvCxnSpPr>
+          <p:spPr>
+            <a:xfrm rot="5400000" flipH="1" flipV="1">
+              <a:off x="4594921" y="-355061"/>
+              <a:ext cx="170724" cy="4081246"/>
+            </a:xfrm>
+            <a:prstGeom prst="bentConnector2">
+              <a:avLst/>
+            </a:prstGeom>
+            <a:ln w="19050">
+              <a:solidFill>
+                <a:srgbClr val="00B050"/>
+              </a:solidFill>
+              <a:prstDash val="solid"/>
+              <a:headEnd type="none" w="med" len="med"/>
+              <a:tailEnd type="arrow" w="med" len="med"/>
+            </a:ln>
+            <a:effectLst/>
+          </p:spPr>
+          <p:style>
+            <a:lnRef idx="1">
+              <a:schemeClr val="accent2"/>
+            </a:lnRef>
+            <a:fillRef idx="2">
+              <a:schemeClr val="accent2"/>
+            </a:fillRef>
+            <a:effectRef idx="1">
+              <a:schemeClr val="accent2"/>
+            </a:effectRef>
+            <a:fontRef idx="minor">
+              <a:schemeClr val="dk1"/>
+            </a:fontRef>
+          </p:style>
+        </p:cxnSp>
+        <p:sp>
+          <p:nvSpPr>
+            <p:cNvPr id="117" name="Rectangle 65"/>
+            <p:cNvSpPr/>
+            <p:nvPr/>
+          </p:nvSpPr>
+          <p:spPr>
+            <a:xfrm rot="16200000">
+              <a:off x="6213739" y="4560376"/>
+              <a:ext cx="1371599" cy="328045"/>
+            </a:xfrm>
+            <a:prstGeom prst="roundRect">
+              <a:avLst/>
+            </a:prstGeom>
+            <a:solidFill>
+              <a:schemeClr val="accent4">
+                <a:lumMod val="20000"/>
+                <a:lumOff val="80000"/>
+              </a:schemeClr>
+            </a:solidFill>
+            <a:ln w="19050">
+              <a:noFill/>
+            </a:ln>
+            <a:effectLst/>
+          </p:spPr>
+          <p:style>
+            <a:lnRef idx="1">
+              <a:schemeClr val="accent2"/>
+            </a:lnRef>
+            <a:fillRef idx="2">
+              <a:schemeClr val="accent2"/>
+            </a:fillRef>
+            <a:effectRef idx="1">
+              <a:schemeClr val="accent2"/>
+            </a:effectRef>
+            <a:fontRef idx="minor">
+              <a:schemeClr val="dk1"/>
+            </a:fontRef>
+          </p:style>
+          <p:txBody>
+            <a:bodyPr rtlCol="0" anchor="ctr"/>
+            <a:lstStyle/>
+            <a:p>
+              <a:pPr algn="ctr"/>
+              <a:r>
+                <a:rPr lang="en-US" sz="1100" b="1" dirty="0">
+                  <a:solidFill>
+                    <a:schemeClr val="bg1"/>
+                  </a:solidFill>
+                </a:rPr>
+                <a:t>Model</a:t>
+              </a:r>
+              <a:endParaRPr lang="en-SG" sz="1100" b="1" dirty="0">
                 <a:solidFill>
-                  <a:schemeClr val="accent3">
-                    <a:lumMod val="75000"/>
-                  </a:schemeClr>
+                  <a:schemeClr val="bg1"/>
                 </a:solidFill>
-              </a:rPr>
-            </a:br>
-            <a:r>
-              <a:rPr lang="en-US" sz="1050" b="1" dirty="0" err="1">
-                <a:solidFill>
-                  <a:schemeClr val="accent3">
-                    <a:lumMod val="75000"/>
-                  </a:schemeClr>
-                </a:solidFill>
-              </a:rPr>
-              <a:t>UiPart</a:t>
-            </a:r>
-            <a:endParaRPr lang="en-SG" sz="1050" b="1" dirty="0">
-              <a:solidFill>
-                <a:schemeClr val="accent3">
-                  <a:lumMod val="75000"/>
-                </a:schemeClr>
-              </a:solidFill>
-            </a:endParaRPr>
-          </a:p>
-        </p:txBody>
-      </p:sp>
-      <p:cxnSp>
-        <p:nvCxnSpPr>
-          <p:cNvPr id="74" name="Elbow Connector 63"/>
-          <p:cNvCxnSpPr>
-            <a:stCxn id="43" idx="3"/>
-            <a:endCxn id="16" idx="3"/>
-          </p:cNvCxnSpPr>
-          <p:nvPr/>
-        </p:nvCxnSpPr>
-        <p:spPr>
-          <a:xfrm flipV="1">
-            <a:off x="3686160" y="2286000"/>
-            <a:ext cx="1843809" cy="1136729"/>
-          </a:xfrm>
-          <a:prstGeom prst="bentConnector2">
-            <a:avLst/>
-          </a:prstGeom>
-          <a:ln w="6350">
-            <a:solidFill>
-              <a:schemeClr val="accent3"/>
-            </a:solidFill>
-            <a:headEnd type="none" w="med" len="med"/>
-            <a:tailEnd type="none" w="med" len="med"/>
-          </a:ln>
-          <a:effectLst/>
-        </p:spPr>
-        <p:style>
-          <a:lnRef idx="1">
-            <a:schemeClr val="accent2"/>
-          </a:lnRef>
-          <a:fillRef idx="2">
-            <a:schemeClr val="accent2"/>
-          </a:fillRef>
-          <a:effectRef idx="1">
-            <a:schemeClr val="accent2"/>
-          </a:effectRef>
-          <a:fontRef idx="minor">
-            <a:schemeClr val="dk1"/>
-          </a:fontRef>
-        </p:style>
-      </p:cxnSp>
-      <p:cxnSp>
-        <p:nvCxnSpPr>
-          <p:cNvPr id="77" name="Elbow Connector 63"/>
-          <p:cNvCxnSpPr>
-            <a:stCxn id="16" idx="3"/>
-            <a:endCxn id="37" idx="3"/>
-          </p:cNvCxnSpPr>
-          <p:nvPr/>
-        </p:nvCxnSpPr>
-        <p:spPr>
-          <a:xfrm rot="5400000">
-            <a:off x="4174488" y="2991741"/>
-            <a:ext cx="2061222" cy="649740"/>
-          </a:xfrm>
-          <a:prstGeom prst="bentConnector2">
-            <a:avLst/>
-          </a:prstGeom>
-          <a:ln w="6350">
-            <a:solidFill>
-              <a:schemeClr val="accent3"/>
-            </a:solidFill>
-            <a:headEnd type="none" w="med" len="med"/>
-            <a:tailEnd type="none" w="med" len="med"/>
-          </a:ln>
-          <a:effectLst/>
-        </p:spPr>
-        <p:style>
-          <a:lnRef idx="1">
-            <a:schemeClr val="accent2"/>
-          </a:lnRef>
-          <a:fillRef idx="2">
-            <a:schemeClr val="accent2"/>
-          </a:fillRef>
-          <a:effectRef idx="1">
-            <a:schemeClr val="accent2"/>
-          </a:effectRef>
-          <a:fontRef idx="minor">
-            <a:schemeClr val="dk1"/>
-          </a:fontRef>
-        </p:style>
-      </p:cxnSp>
-      <p:cxnSp>
-        <p:nvCxnSpPr>
-          <p:cNvPr id="82" name="Elbow Connector 63"/>
-          <p:cNvCxnSpPr>
-            <a:stCxn id="16" idx="3"/>
-            <a:endCxn id="34" idx="3"/>
-          </p:cNvCxnSpPr>
-          <p:nvPr/>
-        </p:nvCxnSpPr>
-        <p:spPr>
-          <a:xfrm rot="5400000">
-            <a:off x="3867176" y="2104987"/>
-            <a:ext cx="1481780" cy="1843806"/>
-          </a:xfrm>
-          <a:prstGeom prst="bentConnector2">
-            <a:avLst/>
-          </a:prstGeom>
-          <a:ln w="6350">
-            <a:solidFill>
-              <a:schemeClr val="accent3"/>
-            </a:solidFill>
-            <a:headEnd type="none" w="med" len="med"/>
-            <a:tailEnd type="none" w="med" len="med"/>
-          </a:ln>
-          <a:effectLst/>
-        </p:spPr>
-        <p:style>
-          <a:lnRef idx="1">
-            <a:schemeClr val="accent2"/>
-          </a:lnRef>
-          <a:fillRef idx="2">
-            <a:schemeClr val="accent2"/>
-          </a:fillRef>
-          <a:effectRef idx="1">
-            <a:schemeClr val="accent2"/>
-          </a:effectRef>
-          <a:fontRef idx="minor">
-            <a:schemeClr val="dk1"/>
-          </a:fontRef>
-        </p:style>
-      </p:cxnSp>
-      <p:cxnSp>
-        <p:nvCxnSpPr>
-          <p:cNvPr id="88" name="Elbow Connector 63"/>
-          <p:cNvCxnSpPr>
-            <a:stCxn id="2" idx="3"/>
-            <a:endCxn id="16" idx="3"/>
-          </p:cNvCxnSpPr>
-          <p:nvPr/>
-        </p:nvCxnSpPr>
-        <p:spPr>
-          <a:xfrm flipV="1">
-            <a:off x="3189583" y="2286000"/>
-            <a:ext cx="2340386" cy="228600"/>
-          </a:xfrm>
-          <a:prstGeom prst="bentConnector2">
-            <a:avLst/>
-          </a:prstGeom>
-          <a:ln w="6350">
-            <a:solidFill>
-              <a:schemeClr val="accent3"/>
-            </a:solidFill>
-            <a:headEnd type="none" w="med" len="med"/>
-            <a:tailEnd type="none" w="med" len="med"/>
-          </a:ln>
-          <a:effectLst/>
-        </p:spPr>
-        <p:style>
-          <a:lnRef idx="1">
-            <a:schemeClr val="accent2"/>
-          </a:lnRef>
-          <a:fillRef idx="2">
-            <a:schemeClr val="accent2"/>
-          </a:fillRef>
-          <a:effectRef idx="1">
-            <a:schemeClr val="accent2"/>
-          </a:effectRef>
-          <a:fontRef idx="minor">
-            <a:schemeClr val="dk1"/>
-          </a:fontRef>
-        </p:style>
-      </p:cxnSp>
-      <p:cxnSp>
-        <p:nvCxnSpPr>
-          <p:cNvPr id="91" name="Elbow Connector 63"/>
-          <p:cNvCxnSpPr>
-            <a:stCxn id="16" idx="3"/>
-            <a:endCxn id="35" idx="3"/>
-          </p:cNvCxnSpPr>
-          <p:nvPr/>
-        </p:nvCxnSpPr>
-        <p:spPr>
-          <a:xfrm rot="5400000">
-            <a:off x="3409976" y="2562187"/>
-            <a:ext cx="2396180" cy="1843807"/>
-          </a:xfrm>
-          <a:prstGeom prst="bentConnector2">
-            <a:avLst/>
-          </a:prstGeom>
-          <a:ln w="6350">
-            <a:solidFill>
-              <a:schemeClr val="accent3"/>
-            </a:solidFill>
-            <a:headEnd type="none" w="med" len="med"/>
-            <a:tailEnd type="none" w="med" len="med"/>
-          </a:ln>
-          <a:effectLst/>
-        </p:spPr>
-        <p:style>
-          <a:lnRef idx="1">
-            <a:schemeClr val="accent2"/>
-          </a:lnRef>
-          <a:fillRef idx="2">
-            <a:schemeClr val="accent2"/>
-          </a:fillRef>
-          <a:effectRef idx="1">
-            <a:schemeClr val="accent2"/>
-          </a:effectRef>
-          <a:fontRef idx="minor">
-            <a:schemeClr val="dk1"/>
-          </a:fontRef>
-        </p:style>
-      </p:cxnSp>
-      <p:cxnSp>
-        <p:nvCxnSpPr>
-          <p:cNvPr id="94" name="Elbow Connector 63"/>
-          <p:cNvCxnSpPr>
-            <a:stCxn id="16" idx="3"/>
-            <a:endCxn id="38" idx="3"/>
-          </p:cNvCxnSpPr>
-          <p:nvPr/>
-        </p:nvCxnSpPr>
-        <p:spPr>
-          <a:xfrm rot="5400000">
-            <a:off x="3208856" y="2763307"/>
-            <a:ext cx="2798421" cy="1843806"/>
-          </a:xfrm>
-          <a:prstGeom prst="bentConnector2">
-            <a:avLst/>
-          </a:prstGeom>
-          <a:ln w="6350">
-            <a:solidFill>
-              <a:schemeClr val="accent3"/>
-            </a:solidFill>
-            <a:headEnd type="none" w="med" len="med"/>
-            <a:tailEnd type="none" w="med" len="med"/>
-          </a:ln>
-          <a:effectLst/>
-        </p:spPr>
-        <p:style>
-          <a:lnRef idx="1">
-            <a:schemeClr val="accent2"/>
-          </a:lnRef>
-          <a:fillRef idx="2">
-            <a:schemeClr val="accent2"/>
-          </a:fillRef>
-          <a:effectRef idx="1">
-            <a:schemeClr val="accent2"/>
-          </a:effectRef>
-          <a:fontRef idx="minor">
-            <a:schemeClr val="dk1"/>
-          </a:fontRef>
-        </p:style>
-      </p:cxnSp>
-      <p:cxnSp>
-        <p:nvCxnSpPr>
-          <p:cNvPr id="107" name="Elbow Connector 106"/>
-          <p:cNvCxnSpPr>
-            <a:stCxn id="9" idx="0"/>
-          </p:cNvCxnSpPr>
-          <p:nvPr/>
-        </p:nvCxnSpPr>
-        <p:spPr>
-          <a:xfrm rot="5400000" flipH="1" flipV="1">
-            <a:off x="4594921" y="-355061"/>
-            <a:ext cx="170724" cy="4081246"/>
-          </a:xfrm>
-          <a:prstGeom prst="bentConnector2">
-            <a:avLst/>
-          </a:prstGeom>
-          <a:ln w="19050">
+              </a:endParaRPr>
+            </a:p>
+          </p:txBody>
+        </p:sp>
+        <p:sp>
+          <p:nvSpPr>
+            <p:cNvPr id="119" name="Rectangle 62"/>
+            <p:cNvSpPr/>
+            <p:nvPr/>
+          </p:nvSpPr>
+          <p:spPr>
+            <a:xfrm rot="16200000">
+              <a:off x="956202" y="2861202"/>
+              <a:ext cx="1093635" cy="346760"/>
+            </a:xfrm>
+            <a:prstGeom prst="rect">
+              <a:avLst/>
+            </a:prstGeom>
             <a:solidFill>
               <a:srgbClr val="00B050"/>
             </a:solidFill>
-            <a:prstDash val="solid"/>
-            <a:headEnd type="none" w="med" len="med"/>
-            <a:tailEnd type="arrow" w="med" len="med"/>
-          </a:ln>
-          <a:effectLst/>
-        </p:spPr>
-        <p:style>
-          <a:lnRef idx="1">
-            <a:schemeClr val="accent2"/>
-          </a:lnRef>
-          <a:fillRef idx="2">
-            <a:schemeClr val="accent2"/>
-          </a:fillRef>
-          <a:effectRef idx="1">
-            <a:schemeClr val="accent2"/>
-          </a:effectRef>
-          <a:fontRef idx="minor">
-            <a:schemeClr val="dk1"/>
-          </a:fontRef>
-        </p:style>
-      </p:cxnSp>
-      <p:sp>
-        <p:nvSpPr>
-          <p:cNvPr id="117" name="Rectangle 65"/>
-          <p:cNvSpPr/>
-          <p:nvPr/>
-        </p:nvSpPr>
-        <p:spPr>
-          <a:xfrm rot="16200000">
-            <a:off x="6213739" y="4560376"/>
-            <a:ext cx="1371599" cy="328045"/>
-          </a:xfrm>
-          <a:prstGeom prst="roundRect">
-            <a:avLst/>
-          </a:prstGeom>
-          <a:solidFill>
-            <a:schemeClr val="accent4">
-              <a:lumMod val="20000"/>
-              <a:lumOff val="80000"/>
-            </a:schemeClr>
-          </a:solidFill>
-          <a:ln w="19050">
-            <a:noFill/>
-          </a:ln>
-          <a:effectLst/>
-        </p:spPr>
-        <p:style>
-          <a:lnRef idx="1">
-            <a:schemeClr val="accent2"/>
-          </a:lnRef>
-          <a:fillRef idx="2">
-            <a:schemeClr val="accent2"/>
-          </a:fillRef>
-          <a:effectRef idx="1">
-            <a:schemeClr val="accent2"/>
-          </a:effectRef>
-          <a:fontRef idx="minor">
-            <a:schemeClr val="dk1"/>
-          </a:fontRef>
-        </p:style>
-        <p:txBody>
-          <a:bodyPr rtlCol="0" anchor="ctr"/>
-          <a:lstStyle/>
-          <a:p>
-            <a:pPr algn="ctr"/>
-            <a:r>
-              <a:rPr lang="en-US" sz="1100" b="1" dirty="0">
+            <a:ln w="19050">
+              <a:solidFill>
+                <a:srgbClr val="00B050"/>
+              </a:solidFill>
+            </a:ln>
+            <a:effectLst/>
+          </p:spPr>
+          <p:style>
+            <a:lnRef idx="1">
+              <a:schemeClr val="accent2"/>
+            </a:lnRef>
+            <a:fillRef idx="2">
+              <a:schemeClr val="accent2"/>
+            </a:fillRef>
+            <a:effectRef idx="1">
+              <a:schemeClr val="accent2"/>
+            </a:effectRef>
+            <a:fontRef idx="minor">
+              <a:schemeClr val="dk1"/>
+            </a:fontRef>
+          </p:style>
+          <p:txBody>
+            <a:bodyPr rtlCol="0" anchor="ctr"/>
+            <a:lstStyle/>
+            <a:p>
+              <a:pPr algn="ctr"/>
+              <a:r>
+                <a:rPr lang="en-US" sz="1050" dirty="0">
+                  <a:solidFill>
+                    <a:schemeClr val="bg1"/>
+                  </a:solidFill>
+                </a:rPr>
+                <a:t>&lt;&lt;interface&gt;&gt;</a:t>
+              </a:r>
+            </a:p>
+            <a:p>
+              <a:pPr algn="ctr"/>
+              <a:r>
+                <a:rPr lang="en-US" sz="1050" dirty="0" err="1">
+                  <a:solidFill>
+                    <a:schemeClr val="bg1"/>
+                  </a:solidFill>
+                </a:rPr>
+                <a:t>Ui</a:t>
+              </a:r>
+              <a:endParaRPr lang="en-SG" sz="1050" dirty="0">
                 <a:solidFill>
                   <a:schemeClr val="bg1"/>
                 </a:solidFill>
-              </a:rPr>
-              <a:t>Model</a:t>
-            </a:r>
-            <a:endParaRPr lang="en-SG" sz="1100" b="1" dirty="0">
+              </a:endParaRPr>
+            </a:p>
+          </p:txBody>
+        </p:sp>
+        <p:sp>
+          <p:nvSpPr>
+            <p:cNvPr id="120" name="Isosceles Triangle 102"/>
+            <p:cNvSpPr/>
+            <p:nvPr/>
+          </p:nvSpPr>
+          <p:spPr>
+            <a:xfrm flipV="1">
+              <a:off x="1367767" y="2286001"/>
+              <a:ext cx="270504" cy="175523"/>
+            </a:xfrm>
+            <a:prstGeom prst="triangle">
+              <a:avLst/>
+            </a:prstGeom>
+            <a:ln w="19050">
               <a:solidFill>
-                <a:schemeClr val="bg1"/>
+                <a:srgbClr val="00B050"/>
               </a:solidFill>
-            </a:endParaRPr>
-          </a:p>
-        </p:txBody>
-      </p:sp>
-      <p:sp>
-        <p:nvSpPr>
-          <p:cNvPr id="119" name="Rectangle 62"/>
-          <p:cNvSpPr/>
-          <p:nvPr/>
-        </p:nvSpPr>
-        <p:spPr>
-          <a:xfrm rot="16200000">
-            <a:off x="956202" y="2861202"/>
-            <a:ext cx="1093635" cy="346760"/>
-          </a:xfrm>
-          <a:prstGeom prst="rect">
-            <a:avLst/>
-          </a:prstGeom>
-          <a:solidFill>
-            <a:srgbClr val="00B050"/>
-          </a:solidFill>
-          <a:ln w="19050">
+            </a:ln>
+            <a:effectLst/>
+          </p:spPr>
+          <p:style>
+            <a:lnRef idx="1">
+              <a:schemeClr val="accent3"/>
+            </a:lnRef>
+            <a:fillRef idx="2">
+              <a:schemeClr val="accent3"/>
+            </a:fillRef>
+            <a:effectRef idx="1">
+              <a:schemeClr val="accent3"/>
+            </a:effectRef>
+            <a:fontRef idx="minor">
+              <a:schemeClr val="dk1"/>
+            </a:fontRef>
+          </p:style>
+          <p:txBody>
+            <a:bodyPr rtlCol="0" anchor="ctr"/>
+            <a:lstStyle/>
+            <a:p>
+              <a:pPr algn="ctr"/>
+              <a:endParaRPr lang="en-SG" sz="1050" b="1">
+                <a:solidFill>
+                  <a:srgbClr val="92D050"/>
+                </a:solidFill>
+              </a:endParaRPr>
+            </a:p>
+          </p:txBody>
+        </p:sp>
+        <p:cxnSp>
+          <p:nvCxnSpPr>
+            <p:cNvPr id="121" name="Elbow Connector 63"/>
+            <p:cNvCxnSpPr>
+              <a:stCxn id="9" idx="1"/>
+              <a:endCxn id="120" idx="3"/>
+            </p:cNvCxnSpPr>
+            <p:nvPr/>
+          </p:nvCxnSpPr>
+          <p:spPr>
+            <a:xfrm rot="10800000" flipV="1">
+              <a:off x="1503020" y="1944303"/>
+              <a:ext cx="589823" cy="341697"/>
+            </a:xfrm>
+            <a:prstGeom prst="bentConnector2">
+              <a:avLst/>
+            </a:prstGeom>
+            <a:ln w="19050">
+              <a:solidFill>
+                <a:srgbClr val="00B050"/>
+              </a:solidFill>
+              <a:prstDash val="sysDot"/>
+              <a:headEnd type="none" w="med" len="med"/>
+              <a:tailEnd type="none" w="med" len="med"/>
+            </a:ln>
+            <a:effectLst/>
+          </p:spPr>
+          <p:style>
+            <a:lnRef idx="1">
+              <a:schemeClr val="accent2"/>
+            </a:lnRef>
+            <a:fillRef idx="2">
+              <a:schemeClr val="accent2"/>
+            </a:fillRef>
+            <a:effectRef idx="1">
+              <a:schemeClr val="accent2"/>
+            </a:effectRef>
+            <a:fontRef idx="minor">
+              <a:schemeClr val="dk1"/>
+            </a:fontRef>
+          </p:style>
+        </p:cxnSp>
+        <p:cxnSp>
+          <p:nvCxnSpPr>
+            <p:cNvPr id="131" name="Elbow Connector 130"/>
+            <p:cNvCxnSpPr>
+              <a:cxnSpLocks/>
+              <a:stCxn id="39" idx="2"/>
+              <a:endCxn id="43" idx="1"/>
+            </p:cNvCxnSpPr>
+            <p:nvPr/>
+          </p:nvCxnSpPr>
+          <p:spPr>
+            <a:xfrm rot="16200000" flipH="1">
+              <a:off x="2226110" y="3058040"/>
+              <a:ext cx="554704" cy="174673"/>
+            </a:xfrm>
+            <a:prstGeom prst="bentConnector2">
+              <a:avLst/>
+            </a:prstGeom>
+            <a:ln w="19050">
+              <a:solidFill>
+                <a:schemeClr val="accent3"/>
+              </a:solidFill>
+              <a:headEnd type="none" w="med" len="med"/>
+              <a:tailEnd type="arrow" w="med" len="med"/>
+            </a:ln>
+            <a:effectLst/>
+          </p:spPr>
+          <p:style>
+            <a:lnRef idx="1">
+              <a:schemeClr val="accent2"/>
+            </a:lnRef>
+            <a:fillRef idx="2">
+              <a:schemeClr val="accent2"/>
+            </a:fillRef>
+            <a:effectRef idx="1">
+              <a:schemeClr val="accent2"/>
+            </a:effectRef>
+            <a:fontRef idx="minor">
+              <a:schemeClr val="dk1"/>
+            </a:fontRef>
+          </p:style>
+        </p:cxnSp>
+        <p:cxnSp>
+          <p:nvCxnSpPr>
+            <p:cNvPr id="132" name="Elbow Connector 63"/>
+            <p:cNvCxnSpPr>
+              <a:cxnSpLocks/>
+              <a:stCxn id="16" idx="3"/>
+              <a:endCxn id="3" idx="3"/>
+            </p:cNvCxnSpPr>
+            <p:nvPr/>
+          </p:nvCxnSpPr>
+          <p:spPr>
+            <a:xfrm rot="5400000">
+              <a:off x="4255306" y="1815557"/>
+              <a:ext cx="804221" cy="1745106"/>
+            </a:xfrm>
+            <a:prstGeom prst="bentConnector2">
+              <a:avLst/>
+            </a:prstGeom>
+            <a:ln w="6350">
+              <a:solidFill>
+                <a:schemeClr val="accent3"/>
+              </a:solidFill>
+              <a:headEnd type="none" w="med" len="med"/>
+              <a:tailEnd type="none" w="med" len="med"/>
+            </a:ln>
+            <a:effectLst/>
+          </p:spPr>
+          <p:style>
+            <a:lnRef idx="1">
+              <a:schemeClr val="accent2"/>
+            </a:lnRef>
+            <a:fillRef idx="2">
+              <a:schemeClr val="accent2"/>
+            </a:fillRef>
+            <a:effectRef idx="1">
+              <a:schemeClr val="accent2"/>
+            </a:effectRef>
+            <a:fontRef idx="minor">
+              <a:schemeClr val="dk1"/>
+            </a:fontRef>
+          </p:style>
+        </p:cxnSp>
+        <p:cxnSp>
+          <p:nvCxnSpPr>
+            <p:cNvPr id="137" name="Elbow Connector 136"/>
+            <p:cNvCxnSpPr>
+              <a:cxnSpLocks/>
+              <a:stCxn id="36" idx="2"/>
+              <a:endCxn id="37" idx="1"/>
+            </p:cNvCxnSpPr>
+            <p:nvPr/>
+          </p:nvCxnSpPr>
+          <p:spPr>
+            <a:xfrm rot="16200000" flipH="1">
+              <a:off x="3478669" y="3939691"/>
+              <a:ext cx="118421" cy="696639"/>
+            </a:xfrm>
+            <a:prstGeom prst="bentConnector2">
+              <a:avLst/>
+            </a:prstGeom>
+            <a:ln w="19050">
+              <a:solidFill>
+                <a:schemeClr val="accent3"/>
+              </a:solidFill>
+              <a:headEnd type="none" w="med" len="med"/>
+              <a:tailEnd type="arrow" w="med" len="med"/>
+            </a:ln>
+            <a:effectLst/>
+          </p:spPr>
+          <p:style>
+            <a:lnRef idx="1">
+              <a:schemeClr val="accent2"/>
+            </a:lnRef>
+            <a:fillRef idx="2">
+              <a:schemeClr val="accent2"/>
+            </a:fillRef>
+            <a:effectRef idx="1">
+              <a:schemeClr val="accent2"/>
+            </a:effectRef>
+            <a:fontRef idx="minor">
+              <a:schemeClr val="dk1"/>
+            </a:fontRef>
+          </p:style>
+        </p:cxnSp>
+        <p:cxnSp>
+          <p:nvCxnSpPr>
+            <p:cNvPr id="140" name="Elbow Connector 63"/>
+            <p:cNvCxnSpPr>
+              <a:cxnSpLocks/>
+              <a:stCxn id="16" idx="3"/>
+              <a:endCxn id="36" idx="3"/>
+            </p:cNvCxnSpPr>
+            <p:nvPr/>
+          </p:nvCxnSpPr>
+          <p:spPr>
+            <a:xfrm rot="5400000">
+              <a:off x="3746091" y="2326502"/>
+              <a:ext cx="1824381" cy="1743376"/>
+            </a:xfrm>
+            <a:prstGeom prst="bentConnector2">
+              <a:avLst/>
+            </a:prstGeom>
+            <a:ln w="6350">
+              <a:solidFill>
+                <a:schemeClr val="accent3"/>
+              </a:solidFill>
+              <a:headEnd type="none" w="med" len="med"/>
+              <a:tailEnd type="none" w="med" len="med"/>
+            </a:ln>
+            <a:effectLst/>
+          </p:spPr>
+          <p:style>
+            <a:lnRef idx="1">
+              <a:schemeClr val="accent2"/>
+            </a:lnRef>
+            <a:fillRef idx="2">
+              <a:schemeClr val="accent2"/>
+            </a:fillRef>
+            <a:effectRef idx="1">
+              <a:schemeClr val="accent2"/>
+            </a:effectRef>
+            <a:fontRef idx="minor">
+              <a:schemeClr val="dk1"/>
+            </a:fontRef>
+          </p:style>
+        </p:cxnSp>
+        <p:sp>
+          <p:nvSpPr>
+            <p:cNvPr id="143" name="Rectangle 142"/>
+            <p:cNvSpPr/>
+            <p:nvPr/>
+          </p:nvSpPr>
+          <p:spPr>
+            <a:xfrm>
+              <a:off x="5422048" y="2339335"/>
+              <a:ext cx="229325" cy="166560"/>
+            </a:xfrm>
+            <a:prstGeom prst="rect">
+              <a:avLst/>
+            </a:prstGeom>
             <a:solidFill>
-              <a:srgbClr val="00B050"/>
+              <a:schemeClr val="accent3">
+                <a:lumMod val="20000"/>
+                <a:lumOff val="80000"/>
+                <a:alpha val="80000"/>
+              </a:schemeClr>
             </a:solidFill>
-          </a:ln>
-          <a:effectLst/>
-        </p:spPr>
-        <p:style>
-          <a:lnRef idx="1">
-            <a:schemeClr val="accent2"/>
-          </a:lnRef>
-          <a:fillRef idx="2">
-            <a:schemeClr val="accent2"/>
-          </a:fillRef>
-          <a:effectRef idx="1">
-            <a:schemeClr val="accent2"/>
-          </a:effectRef>
-          <a:fontRef idx="minor">
-            <a:schemeClr val="dk1"/>
-          </a:fontRef>
-        </p:style>
-        <p:txBody>
-          <a:bodyPr rtlCol="0" anchor="ctr"/>
-          <a:lstStyle/>
-          <a:p>
-            <a:pPr algn="ctr"/>
-            <a:r>
-              <a:rPr lang="en-US" sz="1050" dirty="0">
-                <a:solidFill>
-                  <a:schemeClr val="bg1"/>
-                </a:solidFill>
-              </a:rPr>
-              <a:t>&lt;&lt;interface&gt;&gt;</a:t>
-            </a:r>
-          </a:p>
-          <a:p>
-            <a:pPr algn="ctr"/>
-            <a:r>
-              <a:rPr lang="en-US" sz="1050" dirty="0" err="1">
-                <a:solidFill>
-                  <a:schemeClr val="bg1"/>
-                </a:solidFill>
-              </a:rPr>
-              <a:t>Ui</a:t>
-            </a:r>
-            <a:endParaRPr lang="en-SG" sz="1050" dirty="0">
+            <a:ln>
+              <a:noFill/>
+            </a:ln>
+            <a:effectLst>
+              <a:softEdge rad="31750"/>
+            </a:effectLst>
+          </p:spPr>
+          <p:style>
+            <a:lnRef idx="2">
+              <a:schemeClr val="accent1">
+                <a:shade val="50000"/>
+              </a:schemeClr>
+            </a:lnRef>
+            <a:fillRef idx="1">
+              <a:schemeClr val="accent1"/>
+            </a:fillRef>
+            <a:effectRef idx="0">
+              <a:schemeClr val="accent1"/>
+            </a:effectRef>
+            <a:fontRef idx="minor">
+              <a:schemeClr val="lt1"/>
+            </a:fontRef>
+          </p:style>
+          <p:txBody>
+            <a:bodyPr rtlCol="0" anchor="ctr"/>
+            <a:lstStyle/>
+            <a:p>
+              <a:pPr algn="ctr"/>
+              <a:endParaRPr lang="en-SG"/>
+            </a:p>
+          </p:txBody>
+        </p:sp>
+        <p:sp>
+          <p:nvSpPr>
+            <p:cNvPr id="116" name="Freeform 115"/>
+            <p:cNvSpPr/>
+            <p:nvPr/>
+          </p:nvSpPr>
+          <p:spPr>
+            <a:xfrm>
+              <a:off x="3186477" y="2405681"/>
+              <a:ext cx="3537529" cy="45719"/>
+            </a:xfrm>
+            <a:custGeom>
+              <a:avLst/>
+              <a:gdLst>
+                <a:gd name="connsiteX0" fmla="*/ 0 w 3048000"/>
+                <a:gd name="connsiteY0" fmla="*/ 203200 h 203200"/>
+                <a:gd name="connsiteX1" fmla="*/ 221673 w 3048000"/>
+                <a:gd name="connsiteY1" fmla="*/ 0 h 203200"/>
+                <a:gd name="connsiteX2" fmla="*/ 3048000 w 3048000"/>
+                <a:gd name="connsiteY2" fmla="*/ 0 h 203200"/>
+              </a:gdLst>
+              <a:ahLst/>
+              <a:cxnLst>
+                <a:cxn ang="0">
+                  <a:pos x="connsiteX0" y="connsiteY0"/>
+                </a:cxn>
+                <a:cxn ang="0">
+                  <a:pos x="connsiteX1" y="connsiteY1"/>
+                </a:cxn>
+                <a:cxn ang="0">
+                  <a:pos x="connsiteX2" y="connsiteY2"/>
+                </a:cxn>
+              </a:cxnLst>
+              <a:rect l="l" t="t" r="r" b="b"/>
+              <a:pathLst>
+                <a:path w="3048000" h="203200">
+                  <a:moveTo>
+                    <a:pt x="0" y="203200"/>
+                  </a:moveTo>
+                  <a:lnTo>
+                    <a:pt x="221673" y="0"/>
+                  </a:lnTo>
+                  <a:lnTo>
+                    <a:pt x="3048000" y="0"/>
+                  </a:lnTo>
+                </a:path>
+              </a:pathLst>
+            </a:custGeom>
+            <a:noFill/>
+            <a:ln w="19050">
               <a:solidFill>
-                <a:schemeClr val="bg1"/>
+                <a:schemeClr val="accent3"/>
               </a:solidFill>
-            </a:endParaRPr>
-          </a:p>
-        </p:txBody>
-      </p:sp>
-      <p:sp>
-        <p:nvSpPr>
-          <p:cNvPr id="120" name="Isosceles Triangle 102"/>
-          <p:cNvSpPr/>
-          <p:nvPr/>
-        </p:nvSpPr>
-        <p:spPr>
-          <a:xfrm flipV="1">
-            <a:off x="1367767" y="2286001"/>
-            <a:ext cx="270504" cy="175523"/>
-          </a:xfrm>
-          <a:prstGeom prst="triangle">
-            <a:avLst/>
-          </a:prstGeom>
-          <a:ln w="19050">
+              <a:prstDash val="solid"/>
+              <a:headEnd type="none" w="med" len="med"/>
+              <a:tailEnd type="arrow" w="med" len="med"/>
+            </a:ln>
+            <a:effectLst/>
+          </p:spPr>
+          <p:style>
+            <a:lnRef idx="1">
+              <a:schemeClr val="accent2"/>
+            </a:lnRef>
+            <a:fillRef idx="2">
+              <a:schemeClr val="accent2"/>
+            </a:fillRef>
+            <a:effectRef idx="1">
+              <a:schemeClr val="accent2"/>
+            </a:effectRef>
+            <a:fontRef idx="minor">
+              <a:schemeClr val="dk1"/>
+            </a:fontRef>
+          </p:style>
+          <p:txBody>
+            <a:bodyPr rtlCol="0" anchor="ctr"/>
+            <a:lstStyle/>
+            <a:p>
+              <a:pPr algn="ctr"/>
+              <a:endParaRPr lang="en-SG"/>
+            </a:p>
+          </p:txBody>
+        </p:sp>
+        <p:sp>
+          <p:nvSpPr>
+            <p:cNvPr id="144" name="Rectangle 143"/>
+            <p:cNvSpPr/>
+            <p:nvPr/>
+          </p:nvSpPr>
+          <p:spPr>
+            <a:xfrm>
+              <a:off x="5431573" y="4488138"/>
+              <a:ext cx="229325" cy="160062"/>
+            </a:xfrm>
+            <a:prstGeom prst="rect">
+              <a:avLst/>
+            </a:prstGeom>
             <a:solidFill>
-              <a:srgbClr val="00B050"/>
+              <a:schemeClr val="accent3">
+                <a:lumMod val="20000"/>
+                <a:lumOff val="80000"/>
+                <a:alpha val="80000"/>
+              </a:schemeClr>
             </a:solidFill>
-          </a:ln>
-          <a:effectLst/>
-        </p:spPr>
-        <p:style>
-          <a:lnRef idx="1">
-            <a:schemeClr val="accent3"/>
-          </a:lnRef>
-          <a:fillRef idx="2">
-            <a:schemeClr val="accent3"/>
-          </a:fillRef>
-          <a:effectRef idx="1">
-            <a:schemeClr val="accent3"/>
-          </a:effectRef>
-          <a:fontRef idx="minor">
-            <a:schemeClr val="dk1"/>
-          </a:fontRef>
-        </p:style>
-        <p:txBody>
-          <a:bodyPr rtlCol="0" anchor="ctr"/>
-          <a:lstStyle/>
-          <a:p>
-            <a:pPr algn="ctr"/>
-            <a:endParaRPr lang="en-SG" sz="1050" b="1">
+            <a:ln>
+              <a:noFill/>
+            </a:ln>
+            <a:effectLst>
+              <a:softEdge rad="31750"/>
+            </a:effectLst>
+          </p:spPr>
+          <p:style>
+            <a:lnRef idx="2">
+              <a:schemeClr val="accent1">
+                <a:shade val="50000"/>
+              </a:schemeClr>
+            </a:lnRef>
+            <a:fillRef idx="1">
+              <a:schemeClr val="accent1"/>
+            </a:fillRef>
+            <a:effectRef idx="0">
+              <a:schemeClr val="accent1"/>
+            </a:effectRef>
+            <a:fontRef idx="minor">
+              <a:schemeClr val="lt1"/>
+            </a:fontRef>
+          </p:style>
+          <p:txBody>
+            <a:bodyPr rtlCol="0" anchor="ctr"/>
+            <a:lstStyle/>
+            <a:p>
+              <a:pPr algn="ctr"/>
+              <a:endParaRPr lang="en-SG"/>
+            </a:p>
+          </p:txBody>
+        </p:sp>
+        <p:sp>
+          <p:nvSpPr>
+            <p:cNvPr id="118" name="Freeform 117"/>
+            <p:cNvSpPr/>
+            <p:nvPr/>
+          </p:nvSpPr>
+          <p:spPr>
+            <a:xfrm flipV="1">
+              <a:off x="4114799" y="4472708"/>
+              <a:ext cx="2642195" cy="101600"/>
+            </a:xfrm>
+            <a:custGeom>
+              <a:avLst/>
+              <a:gdLst>
+                <a:gd name="connsiteX0" fmla="*/ 0 w 3048000"/>
+                <a:gd name="connsiteY0" fmla="*/ 203200 h 203200"/>
+                <a:gd name="connsiteX1" fmla="*/ 221673 w 3048000"/>
+                <a:gd name="connsiteY1" fmla="*/ 0 h 203200"/>
+                <a:gd name="connsiteX2" fmla="*/ 3048000 w 3048000"/>
+                <a:gd name="connsiteY2" fmla="*/ 0 h 203200"/>
+              </a:gdLst>
+              <a:ahLst/>
+              <a:cxnLst>
+                <a:cxn ang="0">
+                  <a:pos x="connsiteX0" y="connsiteY0"/>
+                </a:cxn>
+                <a:cxn ang="0">
+                  <a:pos x="connsiteX1" y="connsiteY1"/>
+                </a:cxn>
+                <a:cxn ang="0">
+                  <a:pos x="connsiteX2" y="connsiteY2"/>
+                </a:cxn>
+              </a:cxnLst>
+              <a:rect l="l" t="t" r="r" b="b"/>
+              <a:pathLst>
+                <a:path w="3048000" h="203200">
+                  <a:moveTo>
+                    <a:pt x="0" y="203200"/>
+                  </a:moveTo>
+                  <a:lnTo>
+                    <a:pt x="221673" y="0"/>
+                  </a:lnTo>
+                  <a:lnTo>
+                    <a:pt x="3048000" y="0"/>
+                  </a:lnTo>
+                </a:path>
+              </a:pathLst>
+            </a:custGeom>
+            <a:noFill/>
+            <a:ln w="19050">
               <a:solidFill>
-                <a:srgbClr val="92D050"/>
+                <a:schemeClr val="accent3"/>
               </a:solidFill>
-            </a:endParaRPr>
-          </a:p>
-        </p:txBody>
-      </p:sp>
-      <p:cxnSp>
-        <p:nvCxnSpPr>
-          <p:cNvPr id="121" name="Elbow Connector 63"/>
-          <p:cNvCxnSpPr>
-            <a:stCxn id="9" idx="1"/>
-            <a:endCxn id="120" idx="3"/>
-          </p:cNvCxnSpPr>
-          <p:nvPr/>
-        </p:nvCxnSpPr>
-        <p:spPr>
-          <a:xfrm rot="10800000" flipV="1">
-            <a:off x="1503020" y="1944303"/>
-            <a:ext cx="589823" cy="341697"/>
-          </a:xfrm>
-          <a:prstGeom prst="bentConnector2">
-            <a:avLst/>
-          </a:prstGeom>
-          <a:ln w="19050">
-            <a:solidFill>
-              <a:srgbClr val="00B050"/>
-            </a:solidFill>
-            <a:prstDash val="sysDot"/>
-            <a:headEnd type="none" w="med" len="med"/>
-            <a:tailEnd type="none" w="med" len="med"/>
-          </a:ln>
-          <a:effectLst/>
-        </p:spPr>
-        <p:style>
-          <a:lnRef idx="1">
-            <a:schemeClr val="accent2"/>
-          </a:lnRef>
-          <a:fillRef idx="2">
-            <a:schemeClr val="accent2"/>
-          </a:fillRef>
-          <a:effectRef idx="1">
-            <a:schemeClr val="accent2"/>
-          </a:effectRef>
-          <a:fontRef idx="minor">
-            <a:schemeClr val="dk1"/>
-          </a:fontRef>
-        </p:style>
-      </p:cxnSp>
-      <p:cxnSp>
-        <p:nvCxnSpPr>
-          <p:cNvPr id="131" name="Elbow Connector 130"/>
-          <p:cNvCxnSpPr>
-            <a:stCxn id="39" idx="2"/>
-            <a:endCxn id="43" idx="1"/>
-          </p:cNvCxnSpPr>
-          <p:nvPr/>
-        </p:nvCxnSpPr>
-        <p:spPr>
-          <a:xfrm rot="16200000" flipH="1">
-            <a:off x="2226110" y="3058040"/>
-            <a:ext cx="554704" cy="174673"/>
-          </a:xfrm>
-          <a:prstGeom prst="bentConnector2">
-            <a:avLst/>
-          </a:prstGeom>
-          <a:ln w="19050">
-            <a:solidFill>
-              <a:schemeClr val="accent3"/>
-            </a:solidFill>
-            <a:headEnd type="none" w="med" len="med"/>
-            <a:tailEnd type="arrow" w="med" len="med"/>
-          </a:ln>
-          <a:effectLst/>
-        </p:spPr>
-        <p:style>
-          <a:lnRef idx="1">
-            <a:schemeClr val="accent2"/>
-          </a:lnRef>
-          <a:fillRef idx="2">
-            <a:schemeClr val="accent2"/>
-          </a:fillRef>
-          <a:effectRef idx="1">
-            <a:schemeClr val="accent2"/>
-          </a:effectRef>
-          <a:fontRef idx="minor">
-            <a:schemeClr val="dk1"/>
-          </a:fontRef>
-        </p:style>
-      </p:cxnSp>
-      <p:cxnSp>
-        <p:nvCxnSpPr>
-          <p:cNvPr id="132" name="Elbow Connector 63"/>
-          <p:cNvCxnSpPr>
-            <a:stCxn id="16" idx="3"/>
-            <a:endCxn id="3" idx="3"/>
-          </p:cNvCxnSpPr>
-          <p:nvPr/>
-        </p:nvCxnSpPr>
-        <p:spPr>
-          <a:xfrm rot="5400000">
-            <a:off x="4205956" y="1766207"/>
-            <a:ext cx="804221" cy="1843806"/>
-          </a:xfrm>
-          <a:prstGeom prst="bentConnector2">
-            <a:avLst/>
-          </a:prstGeom>
-          <a:ln w="6350">
-            <a:solidFill>
-              <a:schemeClr val="accent3"/>
-            </a:solidFill>
-            <a:headEnd type="none" w="med" len="med"/>
-            <a:tailEnd type="none" w="med" len="med"/>
-          </a:ln>
-          <a:effectLst/>
-        </p:spPr>
-        <p:style>
-          <a:lnRef idx="1">
-            <a:schemeClr val="accent2"/>
-          </a:lnRef>
-          <a:fillRef idx="2">
-            <a:schemeClr val="accent2"/>
-          </a:fillRef>
-          <a:effectRef idx="1">
-            <a:schemeClr val="accent2"/>
-          </a:effectRef>
-          <a:fontRef idx="minor">
-            <a:schemeClr val="dk1"/>
-          </a:fontRef>
-        </p:style>
-      </p:cxnSp>
-      <p:cxnSp>
-        <p:nvCxnSpPr>
-          <p:cNvPr id="137" name="Elbow Connector 136"/>
-          <p:cNvCxnSpPr>
-            <a:stCxn id="36" idx="2"/>
-            <a:endCxn id="37" idx="1"/>
-          </p:cNvCxnSpPr>
-          <p:nvPr/>
-        </p:nvCxnSpPr>
-        <p:spPr>
-          <a:xfrm rot="16200000" flipH="1">
-            <a:off x="3430123" y="3938021"/>
-            <a:ext cx="118421" cy="699979"/>
-          </a:xfrm>
-          <a:prstGeom prst="bentConnector2">
-            <a:avLst/>
-          </a:prstGeom>
-          <a:ln w="19050">
-            <a:solidFill>
-              <a:schemeClr val="accent3"/>
-            </a:solidFill>
-            <a:headEnd type="none" w="med" len="med"/>
-            <a:tailEnd type="arrow" w="med" len="med"/>
-          </a:ln>
-          <a:effectLst/>
-        </p:spPr>
-        <p:style>
-          <a:lnRef idx="1">
-            <a:schemeClr val="accent2"/>
-          </a:lnRef>
-          <a:fillRef idx="2">
-            <a:schemeClr val="accent2"/>
-          </a:fillRef>
-          <a:effectRef idx="1">
-            <a:schemeClr val="accent2"/>
-          </a:effectRef>
-          <a:fontRef idx="minor">
-            <a:schemeClr val="dk1"/>
-          </a:fontRef>
-        </p:style>
-      </p:cxnSp>
-      <p:cxnSp>
-        <p:nvCxnSpPr>
-          <p:cNvPr id="140" name="Elbow Connector 63"/>
-          <p:cNvCxnSpPr>
-            <a:stCxn id="16" idx="3"/>
-            <a:endCxn id="36" idx="3"/>
-          </p:cNvCxnSpPr>
-          <p:nvPr/>
-        </p:nvCxnSpPr>
-        <p:spPr>
-          <a:xfrm rot="5400000">
-            <a:off x="3695875" y="2276286"/>
-            <a:ext cx="1824381" cy="1843808"/>
-          </a:xfrm>
-          <a:prstGeom prst="bentConnector2">
-            <a:avLst/>
-          </a:prstGeom>
-          <a:ln w="6350">
-            <a:solidFill>
-              <a:schemeClr val="accent3"/>
-            </a:solidFill>
-            <a:headEnd type="none" w="med" len="med"/>
-            <a:tailEnd type="none" w="med" len="med"/>
-          </a:ln>
-          <a:effectLst/>
-        </p:spPr>
-        <p:style>
-          <a:lnRef idx="1">
-            <a:schemeClr val="accent2"/>
-          </a:lnRef>
-          <a:fillRef idx="2">
-            <a:schemeClr val="accent2"/>
-          </a:fillRef>
-          <a:effectRef idx="1">
-            <a:schemeClr val="accent2"/>
-          </a:effectRef>
-          <a:fontRef idx="minor">
-            <a:schemeClr val="dk1"/>
-          </a:fontRef>
-        </p:style>
-      </p:cxnSp>
-      <p:sp>
-        <p:nvSpPr>
-          <p:cNvPr id="143" name="Rectangle 142"/>
-          <p:cNvSpPr/>
-          <p:nvPr/>
-        </p:nvSpPr>
-        <p:spPr>
-          <a:xfrm>
-            <a:off x="5422048" y="2339335"/>
-            <a:ext cx="229325" cy="166560"/>
-          </a:xfrm>
-          <a:prstGeom prst="rect">
-            <a:avLst/>
-          </a:prstGeom>
-          <a:solidFill>
-            <a:schemeClr val="accent3">
-              <a:lumMod val="20000"/>
-              <a:lumOff val="80000"/>
-              <a:alpha val="80000"/>
-            </a:schemeClr>
-          </a:solidFill>
-          <a:ln>
-            <a:noFill/>
-          </a:ln>
-          <a:effectLst>
-            <a:softEdge rad="31750"/>
-          </a:effectLst>
-        </p:spPr>
-        <p:style>
-          <a:lnRef idx="2">
-            <a:schemeClr val="accent1">
-              <a:shade val="50000"/>
-            </a:schemeClr>
-          </a:lnRef>
-          <a:fillRef idx="1">
-            <a:schemeClr val="accent1"/>
-          </a:fillRef>
-          <a:effectRef idx="0">
-            <a:schemeClr val="accent1"/>
-          </a:effectRef>
-          <a:fontRef idx="minor">
-            <a:schemeClr val="lt1"/>
-          </a:fontRef>
-        </p:style>
-        <p:txBody>
-          <a:bodyPr rtlCol="0" anchor="ctr"/>
-          <a:lstStyle/>
-          <a:p>
-            <a:pPr algn="ctr"/>
-            <a:endParaRPr lang="en-SG"/>
-          </a:p>
-        </p:txBody>
-      </p:sp>
-      <p:sp>
-        <p:nvSpPr>
-          <p:cNvPr id="116" name="Freeform 115"/>
-          <p:cNvSpPr/>
-          <p:nvPr/>
-        </p:nvSpPr>
-        <p:spPr>
-          <a:xfrm>
-            <a:off x="3186477" y="2405681"/>
-            <a:ext cx="3537529" cy="45719"/>
-          </a:xfrm>
-          <a:custGeom>
-            <a:avLst/>
-            <a:gdLst>
-              <a:gd name="connsiteX0" fmla="*/ 0 w 3048000"/>
-              <a:gd name="connsiteY0" fmla="*/ 203200 h 203200"/>
-              <a:gd name="connsiteX1" fmla="*/ 221673 w 3048000"/>
-              <a:gd name="connsiteY1" fmla="*/ 0 h 203200"/>
-              <a:gd name="connsiteX2" fmla="*/ 3048000 w 3048000"/>
-              <a:gd name="connsiteY2" fmla="*/ 0 h 203200"/>
-            </a:gdLst>
-            <a:ahLst/>
-            <a:cxnLst>
-              <a:cxn ang="0">
-                <a:pos x="connsiteX0" y="connsiteY0"/>
-              </a:cxn>
-              <a:cxn ang="0">
-                <a:pos x="connsiteX1" y="connsiteY1"/>
-              </a:cxn>
-              <a:cxn ang="0">
-                <a:pos x="connsiteX2" y="connsiteY2"/>
-              </a:cxn>
-            </a:cxnLst>
-            <a:rect l="l" t="t" r="r" b="b"/>
-            <a:pathLst>
-              <a:path w="3048000" h="203200">
-                <a:moveTo>
-                  <a:pt x="0" y="203200"/>
-                </a:moveTo>
-                <a:lnTo>
-                  <a:pt x="221673" y="0"/>
-                </a:lnTo>
-                <a:lnTo>
-                  <a:pt x="3048000" y="0"/>
-                </a:lnTo>
-              </a:path>
-            </a:pathLst>
-          </a:custGeom>
-          <a:noFill/>
-          <a:ln w="19050">
-            <a:solidFill>
-              <a:schemeClr val="accent3"/>
-            </a:solidFill>
-            <a:prstDash val="solid"/>
-            <a:headEnd type="none" w="med" len="med"/>
-            <a:tailEnd type="arrow" w="med" len="med"/>
-          </a:ln>
-          <a:effectLst/>
-        </p:spPr>
-        <p:style>
-          <a:lnRef idx="1">
-            <a:schemeClr val="accent2"/>
-          </a:lnRef>
-          <a:fillRef idx="2">
-            <a:schemeClr val="accent2"/>
-          </a:fillRef>
-          <a:effectRef idx="1">
-            <a:schemeClr val="accent2"/>
-          </a:effectRef>
-          <a:fontRef idx="minor">
-            <a:schemeClr val="dk1"/>
-          </a:fontRef>
-        </p:style>
-        <p:txBody>
-          <a:bodyPr rtlCol="0" anchor="ctr"/>
-          <a:lstStyle/>
-          <a:p>
-            <a:pPr algn="ctr"/>
-            <a:endParaRPr lang="en-SG"/>
-          </a:p>
-        </p:txBody>
-      </p:sp>
-      <p:sp>
-        <p:nvSpPr>
-          <p:cNvPr id="144" name="Rectangle 143"/>
-          <p:cNvSpPr/>
-          <p:nvPr/>
-        </p:nvSpPr>
-        <p:spPr>
-          <a:xfrm>
-            <a:off x="5431573" y="4488138"/>
-            <a:ext cx="229325" cy="160062"/>
-          </a:xfrm>
-          <a:prstGeom prst="rect">
-            <a:avLst/>
-          </a:prstGeom>
-          <a:solidFill>
-            <a:schemeClr val="accent3">
-              <a:lumMod val="20000"/>
-              <a:lumOff val="80000"/>
-              <a:alpha val="80000"/>
-            </a:schemeClr>
-          </a:solidFill>
-          <a:ln>
-            <a:noFill/>
-          </a:ln>
-          <a:effectLst>
-            <a:softEdge rad="31750"/>
-          </a:effectLst>
-        </p:spPr>
-        <p:style>
-          <a:lnRef idx="2">
-            <a:schemeClr val="accent1">
-              <a:shade val="50000"/>
-            </a:schemeClr>
-          </a:lnRef>
-          <a:fillRef idx="1">
-            <a:schemeClr val="accent1"/>
-          </a:fillRef>
-          <a:effectRef idx="0">
-            <a:schemeClr val="accent1"/>
-          </a:effectRef>
-          <a:fontRef idx="minor">
-            <a:schemeClr val="lt1"/>
-          </a:fontRef>
-        </p:style>
-        <p:txBody>
-          <a:bodyPr rtlCol="0" anchor="ctr"/>
-          <a:lstStyle/>
-          <a:p>
-            <a:pPr algn="ctr"/>
-            <a:endParaRPr lang="en-SG"/>
-          </a:p>
-        </p:txBody>
-      </p:sp>
-      <p:sp>
-        <p:nvSpPr>
-          <p:cNvPr id="118" name="Freeform 117"/>
-          <p:cNvSpPr/>
-          <p:nvPr/>
-        </p:nvSpPr>
-        <p:spPr>
-          <a:xfrm flipV="1">
-            <a:off x="4114799" y="4472708"/>
-            <a:ext cx="2642195" cy="101600"/>
-          </a:xfrm>
-          <a:custGeom>
-            <a:avLst/>
-            <a:gdLst>
-              <a:gd name="connsiteX0" fmla="*/ 0 w 3048000"/>
-              <a:gd name="connsiteY0" fmla="*/ 203200 h 203200"/>
-              <a:gd name="connsiteX1" fmla="*/ 221673 w 3048000"/>
-              <a:gd name="connsiteY1" fmla="*/ 0 h 203200"/>
-              <a:gd name="connsiteX2" fmla="*/ 3048000 w 3048000"/>
-              <a:gd name="connsiteY2" fmla="*/ 0 h 203200"/>
-            </a:gdLst>
-            <a:ahLst/>
-            <a:cxnLst>
-              <a:cxn ang="0">
-                <a:pos x="connsiteX0" y="connsiteY0"/>
-              </a:cxn>
-              <a:cxn ang="0">
-                <a:pos x="connsiteX1" y="connsiteY1"/>
-              </a:cxn>
-              <a:cxn ang="0">
-                <a:pos x="connsiteX2" y="connsiteY2"/>
-              </a:cxn>
-            </a:cxnLst>
-            <a:rect l="l" t="t" r="r" b="b"/>
-            <a:pathLst>
-              <a:path w="3048000" h="203200">
-                <a:moveTo>
-                  <a:pt x="0" y="203200"/>
-                </a:moveTo>
-                <a:lnTo>
-                  <a:pt x="221673" y="0"/>
-                </a:lnTo>
-                <a:lnTo>
-                  <a:pt x="3048000" y="0"/>
-                </a:lnTo>
-              </a:path>
-            </a:pathLst>
-          </a:custGeom>
-          <a:noFill/>
-          <a:ln w="19050">
-            <a:solidFill>
-              <a:schemeClr val="accent3"/>
-            </a:solidFill>
-            <a:prstDash val="sysDot"/>
-            <a:headEnd type="none" w="med" len="med"/>
-            <a:tailEnd type="arrow" w="med" len="med"/>
-          </a:ln>
-          <a:effectLst/>
-        </p:spPr>
-        <p:style>
-          <a:lnRef idx="1">
-            <a:schemeClr val="accent2"/>
-          </a:lnRef>
-          <a:fillRef idx="2">
-            <a:schemeClr val="accent2"/>
-          </a:fillRef>
-          <a:effectRef idx="1">
-            <a:schemeClr val="accent2"/>
-          </a:effectRef>
-          <a:fontRef idx="minor">
-            <a:schemeClr val="dk1"/>
-          </a:fontRef>
-        </p:style>
-        <p:txBody>
-          <a:bodyPr rtlCol="0" anchor="ctr"/>
-          <a:lstStyle/>
-          <a:p>
-            <a:pPr algn="ctr"/>
-            <a:endParaRPr lang="en-SG"/>
-          </a:p>
-        </p:txBody>
-      </p:sp>
+              <a:prstDash val="sysDot"/>
+              <a:headEnd type="none" w="med" len="med"/>
+              <a:tailEnd type="arrow" w="med" len="med"/>
+            </a:ln>
+            <a:effectLst/>
+          </p:spPr>
+          <p:style>
+            <a:lnRef idx="1">
+              <a:schemeClr val="accent2"/>
+            </a:lnRef>
+            <a:fillRef idx="2">
+              <a:schemeClr val="accent2"/>
+            </a:fillRef>
+            <a:effectRef idx="1">
+              <a:schemeClr val="accent2"/>
+            </a:effectRef>
+            <a:fontRef idx="minor">
+              <a:schemeClr val="dk1"/>
+            </a:fontRef>
+          </p:style>
+          <p:txBody>
+            <a:bodyPr rtlCol="0" anchor="ctr"/>
+            <a:lstStyle/>
+            <a:p>
+              <a:pPr algn="ctr"/>
+              <a:endParaRPr lang="en-SG"/>
+            </a:p>
+          </p:txBody>
+        </p:sp>
+      </p:grpSp>
     </p:spTree>
     <p:extLst>
       <p:ext uri="{BB962C8B-B14F-4D97-AF65-F5344CB8AC3E}">
